--- a/CSI1001 Principles of DataBase Systems/JayaShree/Chapter-3/Functional Dependency.pptx
+++ b/CSI1001 Principles of DataBase Systems/JayaShree/Chapter-3/Functional Dependency.pptx
@@ -192,10 +192,9 @@
           <a:lstStyle/>
           <a:p>
             <a:r>
-              <a:rPr lang="en-US" smtClean="0"/>
+              <a:rPr lang="en-US"/>
               <a:t>Click to edit Master title style</a:t>
             </a:r>
-            <a:endParaRPr lang="en-US"/>
           </a:p>
         </p:txBody>
       </p:sp>
@@ -311,10 +310,9 @@
           </a:lstStyle>
           <a:p>
             <a:r>
-              <a:rPr lang="en-US" smtClean="0"/>
+              <a:rPr lang="en-US"/>
               <a:t>Click to edit Master subtitle style</a:t>
             </a:r>
-            <a:endParaRPr lang="en-US"/>
           </a:p>
         </p:txBody>
       </p:sp>
@@ -336,7 +334,7 @@
             <a:fld id="{1D8BD707-D9CF-40AE-B4C6-C98DA3205C09}" type="datetimeFigureOut">
               <a:rPr lang="en-US" smtClean="0"/>
               <a:pPr/>
-              <a:t>9/10/2018</a:t>
+              <a:t>1/23/2021</a:t>
             </a:fld>
             <a:endParaRPr lang="en-US"/>
           </a:p>
@@ -426,10 +424,9 @@
           <a:lstStyle/>
           <a:p>
             <a:r>
-              <a:rPr lang="en-US" smtClean="0"/>
+              <a:rPr lang="en-US"/>
               <a:t>Click to edit Master title style</a:t>
             </a:r>
-            <a:endParaRPr lang="en-US"/>
           </a:p>
         </p:txBody>
       </p:sp>
@@ -450,38 +447,37 @@
           <a:p>
             <a:pPr lvl="0"/>
             <a:r>
-              <a:rPr lang="en-US" smtClean="0"/>
+              <a:rPr lang="en-US"/>
               <a:t>Click to edit Master text styles</a:t>
             </a:r>
           </a:p>
           <a:p>
             <a:pPr lvl="1"/>
             <a:r>
-              <a:rPr lang="en-US" smtClean="0"/>
+              <a:rPr lang="en-US"/>
               <a:t>Second level</a:t>
             </a:r>
           </a:p>
           <a:p>
             <a:pPr lvl="2"/>
             <a:r>
-              <a:rPr lang="en-US" smtClean="0"/>
+              <a:rPr lang="en-US"/>
               <a:t>Third level</a:t>
             </a:r>
           </a:p>
           <a:p>
             <a:pPr lvl="3"/>
             <a:r>
-              <a:rPr lang="en-US" smtClean="0"/>
+              <a:rPr lang="en-US"/>
               <a:t>Fourth level</a:t>
             </a:r>
           </a:p>
           <a:p>
             <a:pPr lvl="4"/>
             <a:r>
-              <a:rPr lang="en-US" smtClean="0"/>
+              <a:rPr lang="en-US"/>
               <a:t>Fifth level</a:t>
             </a:r>
-            <a:endParaRPr lang="en-US"/>
           </a:p>
         </p:txBody>
       </p:sp>
@@ -503,7 +499,7 @@
             <a:fld id="{1D8BD707-D9CF-40AE-B4C6-C98DA3205C09}" type="datetimeFigureOut">
               <a:rPr lang="en-US" smtClean="0"/>
               <a:pPr/>
-              <a:t>9/10/2018</a:t>
+              <a:t>1/23/2021</a:t>
             </a:fld>
             <a:endParaRPr lang="en-US"/>
           </a:p>
@@ -598,10 +594,9 @@
           <a:lstStyle/>
           <a:p>
             <a:r>
-              <a:rPr lang="en-US" smtClean="0"/>
+              <a:rPr lang="en-US"/>
               <a:t>Click to edit Master title style</a:t>
             </a:r>
-            <a:endParaRPr lang="en-US"/>
           </a:p>
         </p:txBody>
       </p:sp>
@@ -627,38 +622,37 @@
           <a:p>
             <a:pPr lvl="0"/>
             <a:r>
-              <a:rPr lang="en-US" smtClean="0"/>
+              <a:rPr lang="en-US"/>
               <a:t>Click to edit Master text styles</a:t>
             </a:r>
           </a:p>
           <a:p>
             <a:pPr lvl="1"/>
             <a:r>
-              <a:rPr lang="en-US" smtClean="0"/>
+              <a:rPr lang="en-US"/>
               <a:t>Second level</a:t>
             </a:r>
           </a:p>
           <a:p>
             <a:pPr lvl="2"/>
             <a:r>
-              <a:rPr lang="en-US" smtClean="0"/>
+              <a:rPr lang="en-US"/>
               <a:t>Third level</a:t>
             </a:r>
           </a:p>
           <a:p>
             <a:pPr lvl="3"/>
             <a:r>
-              <a:rPr lang="en-US" smtClean="0"/>
+              <a:rPr lang="en-US"/>
               <a:t>Fourth level</a:t>
             </a:r>
           </a:p>
           <a:p>
             <a:pPr lvl="4"/>
             <a:r>
-              <a:rPr lang="en-US" smtClean="0"/>
+              <a:rPr lang="en-US"/>
               <a:t>Fifth level</a:t>
             </a:r>
-            <a:endParaRPr lang="en-US"/>
           </a:p>
         </p:txBody>
       </p:sp>
@@ -680,7 +674,7 @@
             <a:fld id="{1D8BD707-D9CF-40AE-B4C6-C98DA3205C09}" type="datetimeFigureOut">
               <a:rPr lang="en-US" smtClean="0"/>
               <a:pPr/>
-              <a:t>9/10/2018</a:t>
+              <a:t>1/23/2021</a:t>
             </a:fld>
             <a:endParaRPr lang="en-US"/>
           </a:p>
@@ -770,10 +764,9 @@
           <a:lstStyle/>
           <a:p>
             <a:r>
-              <a:rPr lang="en-US" smtClean="0"/>
+              <a:rPr lang="en-US"/>
               <a:t>Click to edit Master title style</a:t>
             </a:r>
-            <a:endParaRPr lang="en-US"/>
           </a:p>
         </p:txBody>
       </p:sp>
@@ -794,38 +787,37 @@
           <a:p>
             <a:pPr lvl="0"/>
             <a:r>
-              <a:rPr lang="en-US" smtClean="0"/>
+              <a:rPr lang="en-US"/>
               <a:t>Click to edit Master text styles</a:t>
             </a:r>
           </a:p>
           <a:p>
             <a:pPr lvl="1"/>
             <a:r>
-              <a:rPr lang="en-US" smtClean="0"/>
+              <a:rPr lang="en-US"/>
               <a:t>Second level</a:t>
             </a:r>
           </a:p>
           <a:p>
             <a:pPr lvl="2"/>
             <a:r>
-              <a:rPr lang="en-US" smtClean="0"/>
+              <a:rPr lang="en-US"/>
               <a:t>Third level</a:t>
             </a:r>
           </a:p>
           <a:p>
             <a:pPr lvl="3"/>
             <a:r>
-              <a:rPr lang="en-US" smtClean="0"/>
+              <a:rPr lang="en-US"/>
               <a:t>Fourth level</a:t>
             </a:r>
           </a:p>
           <a:p>
             <a:pPr lvl="4"/>
             <a:r>
-              <a:rPr lang="en-US" smtClean="0"/>
+              <a:rPr lang="en-US"/>
               <a:t>Fifth level</a:t>
             </a:r>
-            <a:endParaRPr lang="en-US"/>
           </a:p>
         </p:txBody>
       </p:sp>
@@ -847,7 +839,7 @@
             <a:fld id="{1D8BD707-D9CF-40AE-B4C6-C98DA3205C09}" type="datetimeFigureOut">
               <a:rPr lang="en-US" smtClean="0"/>
               <a:pPr/>
-              <a:t>9/10/2018</a:t>
+              <a:t>1/23/2021</a:t>
             </a:fld>
             <a:endParaRPr lang="en-US"/>
           </a:p>
@@ -946,10 +938,9 @@
           </a:lstStyle>
           <a:p>
             <a:r>
-              <a:rPr lang="en-US" smtClean="0"/>
+              <a:rPr lang="en-US"/>
               <a:t>Click to edit Master title style</a:t>
             </a:r>
-            <a:endParaRPr lang="en-US"/>
           </a:p>
         </p:txBody>
       </p:sp>
@@ -1066,7 +1057,7 @@
           <a:p>
             <a:pPr lvl="0"/>
             <a:r>
-              <a:rPr lang="en-US" smtClean="0"/>
+              <a:rPr lang="en-US"/>
               <a:t>Click to edit Master text styles</a:t>
             </a:r>
           </a:p>
@@ -1090,7 +1081,7 @@
             <a:fld id="{1D8BD707-D9CF-40AE-B4C6-C98DA3205C09}" type="datetimeFigureOut">
               <a:rPr lang="en-US" smtClean="0"/>
               <a:pPr/>
-              <a:t>9/10/2018</a:t>
+              <a:t>1/23/2021</a:t>
             </a:fld>
             <a:endParaRPr lang="en-US"/>
           </a:p>
@@ -1180,10 +1171,9 @@
           <a:lstStyle/>
           <a:p>
             <a:r>
-              <a:rPr lang="en-US" smtClean="0"/>
+              <a:rPr lang="en-US"/>
               <a:t>Click to edit Master title style</a:t>
             </a:r>
-            <a:endParaRPr lang="en-US"/>
           </a:p>
         </p:txBody>
       </p:sp>
@@ -1237,38 +1227,37 @@
           <a:p>
             <a:pPr lvl="0"/>
             <a:r>
-              <a:rPr lang="en-US" smtClean="0"/>
+              <a:rPr lang="en-US"/>
               <a:t>Click to edit Master text styles</a:t>
             </a:r>
           </a:p>
           <a:p>
             <a:pPr lvl="1"/>
             <a:r>
-              <a:rPr lang="en-US" smtClean="0"/>
+              <a:rPr lang="en-US"/>
               <a:t>Second level</a:t>
             </a:r>
           </a:p>
           <a:p>
             <a:pPr lvl="2"/>
             <a:r>
-              <a:rPr lang="en-US" smtClean="0"/>
+              <a:rPr lang="en-US"/>
               <a:t>Third level</a:t>
             </a:r>
           </a:p>
           <a:p>
             <a:pPr lvl="3"/>
             <a:r>
-              <a:rPr lang="en-US" smtClean="0"/>
+              <a:rPr lang="en-US"/>
               <a:t>Fourth level</a:t>
             </a:r>
           </a:p>
           <a:p>
             <a:pPr lvl="4"/>
             <a:r>
-              <a:rPr lang="en-US" smtClean="0"/>
+              <a:rPr lang="en-US"/>
               <a:t>Fifth level</a:t>
             </a:r>
-            <a:endParaRPr lang="en-US"/>
           </a:p>
         </p:txBody>
       </p:sp>
@@ -1322,38 +1311,37 @@
           <a:p>
             <a:pPr lvl="0"/>
             <a:r>
-              <a:rPr lang="en-US" smtClean="0"/>
+              <a:rPr lang="en-US"/>
               <a:t>Click to edit Master text styles</a:t>
             </a:r>
           </a:p>
           <a:p>
             <a:pPr lvl="1"/>
             <a:r>
-              <a:rPr lang="en-US" smtClean="0"/>
+              <a:rPr lang="en-US"/>
               <a:t>Second level</a:t>
             </a:r>
           </a:p>
           <a:p>
             <a:pPr lvl="2"/>
             <a:r>
-              <a:rPr lang="en-US" smtClean="0"/>
+              <a:rPr lang="en-US"/>
               <a:t>Third level</a:t>
             </a:r>
           </a:p>
           <a:p>
             <a:pPr lvl="3"/>
             <a:r>
-              <a:rPr lang="en-US" smtClean="0"/>
+              <a:rPr lang="en-US"/>
               <a:t>Fourth level</a:t>
             </a:r>
           </a:p>
           <a:p>
             <a:pPr lvl="4"/>
             <a:r>
-              <a:rPr lang="en-US" smtClean="0"/>
+              <a:rPr lang="en-US"/>
               <a:t>Fifth level</a:t>
             </a:r>
-            <a:endParaRPr lang="en-US"/>
           </a:p>
         </p:txBody>
       </p:sp>
@@ -1375,7 +1363,7 @@
             <a:fld id="{1D8BD707-D9CF-40AE-B4C6-C98DA3205C09}" type="datetimeFigureOut">
               <a:rPr lang="en-US" smtClean="0"/>
               <a:pPr/>
-              <a:t>9/10/2018</a:t>
+              <a:t>1/23/2021</a:t>
             </a:fld>
             <a:endParaRPr lang="en-US"/>
           </a:p>
@@ -1469,10 +1457,9 @@
           </a:lstStyle>
           <a:p>
             <a:r>
-              <a:rPr lang="en-US" smtClean="0"/>
+              <a:rPr lang="en-US"/>
               <a:t>Click to edit Master title style</a:t>
             </a:r>
-            <a:endParaRPr lang="en-US"/>
           </a:p>
         </p:txBody>
       </p:sp>
@@ -1535,7 +1522,7 @@
           <a:p>
             <a:pPr lvl="0"/>
             <a:r>
-              <a:rPr lang="en-US" smtClean="0"/>
+              <a:rPr lang="en-US"/>
               <a:t>Click to edit Master text styles</a:t>
             </a:r>
           </a:p>
@@ -1591,38 +1578,37 @@
           <a:p>
             <a:pPr lvl="0"/>
             <a:r>
-              <a:rPr lang="en-US" smtClean="0"/>
+              <a:rPr lang="en-US"/>
               <a:t>Click to edit Master text styles</a:t>
             </a:r>
           </a:p>
           <a:p>
             <a:pPr lvl="1"/>
             <a:r>
-              <a:rPr lang="en-US" smtClean="0"/>
+              <a:rPr lang="en-US"/>
               <a:t>Second level</a:t>
             </a:r>
           </a:p>
           <a:p>
             <a:pPr lvl="2"/>
             <a:r>
-              <a:rPr lang="en-US" smtClean="0"/>
+              <a:rPr lang="en-US"/>
               <a:t>Third level</a:t>
             </a:r>
           </a:p>
           <a:p>
             <a:pPr lvl="3"/>
             <a:r>
-              <a:rPr lang="en-US" smtClean="0"/>
+              <a:rPr lang="en-US"/>
               <a:t>Fourth level</a:t>
             </a:r>
           </a:p>
           <a:p>
             <a:pPr lvl="4"/>
             <a:r>
-              <a:rPr lang="en-US" smtClean="0"/>
+              <a:rPr lang="en-US"/>
               <a:t>Fifth level</a:t>
             </a:r>
-            <a:endParaRPr lang="en-US"/>
           </a:p>
         </p:txBody>
       </p:sp>
@@ -1685,7 +1671,7 @@
           <a:p>
             <a:pPr lvl="0"/>
             <a:r>
-              <a:rPr lang="en-US" smtClean="0"/>
+              <a:rPr lang="en-US"/>
               <a:t>Click to edit Master text styles</a:t>
             </a:r>
           </a:p>
@@ -1741,38 +1727,37 @@
           <a:p>
             <a:pPr lvl="0"/>
             <a:r>
-              <a:rPr lang="en-US" smtClean="0"/>
+              <a:rPr lang="en-US"/>
               <a:t>Click to edit Master text styles</a:t>
             </a:r>
           </a:p>
           <a:p>
             <a:pPr lvl="1"/>
             <a:r>
-              <a:rPr lang="en-US" smtClean="0"/>
+              <a:rPr lang="en-US"/>
               <a:t>Second level</a:t>
             </a:r>
           </a:p>
           <a:p>
             <a:pPr lvl="2"/>
             <a:r>
-              <a:rPr lang="en-US" smtClean="0"/>
+              <a:rPr lang="en-US"/>
               <a:t>Third level</a:t>
             </a:r>
           </a:p>
           <a:p>
             <a:pPr lvl="3"/>
             <a:r>
-              <a:rPr lang="en-US" smtClean="0"/>
+              <a:rPr lang="en-US"/>
               <a:t>Fourth level</a:t>
             </a:r>
           </a:p>
           <a:p>
             <a:pPr lvl="4"/>
             <a:r>
-              <a:rPr lang="en-US" smtClean="0"/>
+              <a:rPr lang="en-US"/>
               <a:t>Fifth level</a:t>
             </a:r>
-            <a:endParaRPr lang="en-US"/>
           </a:p>
         </p:txBody>
       </p:sp>
@@ -1794,7 +1779,7 @@
             <a:fld id="{1D8BD707-D9CF-40AE-B4C6-C98DA3205C09}" type="datetimeFigureOut">
               <a:rPr lang="en-US" smtClean="0"/>
               <a:pPr/>
-              <a:t>9/10/2018</a:t>
+              <a:t>1/23/2021</a:t>
             </a:fld>
             <a:endParaRPr lang="en-US"/>
           </a:p>
@@ -1884,10 +1869,9 @@
           <a:lstStyle/>
           <a:p>
             <a:r>
-              <a:rPr lang="en-US" smtClean="0"/>
+              <a:rPr lang="en-US"/>
               <a:t>Click to edit Master title style</a:t>
             </a:r>
-            <a:endParaRPr lang="en-US"/>
           </a:p>
         </p:txBody>
       </p:sp>
@@ -1909,7 +1893,7 @@
             <a:fld id="{1D8BD707-D9CF-40AE-B4C6-C98DA3205C09}" type="datetimeFigureOut">
               <a:rPr lang="en-US" smtClean="0"/>
               <a:pPr/>
-              <a:t>9/10/2018</a:t>
+              <a:t>1/23/2021</a:t>
             </a:fld>
             <a:endParaRPr lang="en-US"/>
           </a:p>
@@ -2001,7 +1985,7 @@
             <a:fld id="{1D8BD707-D9CF-40AE-B4C6-C98DA3205C09}" type="datetimeFigureOut">
               <a:rPr lang="en-US" smtClean="0"/>
               <a:pPr/>
-              <a:t>9/10/2018</a:t>
+              <a:t>1/23/2021</a:t>
             </a:fld>
             <a:endParaRPr lang="en-US"/>
           </a:p>
@@ -2100,10 +2084,9 @@
           </a:lstStyle>
           <a:p>
             <a:r>
-              <a:rPr lang="en-US" smtClean="0"/>
+              <a:rPr lang="en-US"/>
               <a:t>Click to edit Master title style</a:t>
             </a:r>
-            <a:endParaRPr lang="en-US"/>
           </a:p>
         </p:txBody>
       </p:sp>
@@ -2157,38 +2140,37 @@
           <a:p>
             <a:pPr lvl="0"/>
             <a:r>
-              <a:rPr lang="en-US" smtClean="0"/>
+              <a:rPr lang="en-US"/>
               <a:t>Click to edit Master text styles</a:t>
             </a:r>
           </a:p>
           <a:p>
             <a:pPr lvl="1"/>
             <a:r>
-              <a:rPr lang="en-US" smtClean="0"/>
+              <a:rPr lang="en-US"/>
               <a:t>Second level</a:t>
             </a:r>
           </a:p>
           <a:p>
             <a:pPr lvl="2"/>
             <a:r>
-              <a:rPr lang="en-US" smtClean="0"/>
+              <a:rPr lang="en-US"/>
               <a:t>Third level</a:t>
             </a:r>
           </a:p>
           <a:p>
             <a:pPr lvl="3"/>
             <a:r>
-              <a:rPr lang="en-US" smtClean="0"/>
+              <a:rPr lang="en-US"/>
               <a:t>Fourth level</a:t>
             </a:r>
           </a:p>
           <a:p>
             <a:pPr lvl="4"/>
             <a:r>
-              <a:rPr lang="en-US" smtClean="0"/>
+              <a:rPr lang="en-US"/>
               <a:t>Fifth level</a:t>
             </a:r>
-            <a:endParaRPr lang="en-US"/>
           </a:p>
         </p:txBody>
       </p:sp>
@@ -2251,7 +2233,7 @@
           <a:p>
             <a:pPr lvl="0"/>
             <a:r>
-              <a:rPr lang="en-US" smtClean="0"/>
+              <a:rPr lang="en-US"/>
               <a:t>Click to edit Master text styles</a:t>
             </a:r>
           </a:p>
@@ -2275,7 +2257,7 @@
             <a:fld id="{1D8BD707-D9CF-40AE-B4C6-C98DA3205C09}" type="datetimeFigureOut">
               <a:rPr lang="en-US" smtClean="0"/>
               <a:pPr/>
-              <a:t>9/10/2018</a:t>
+              <a:t>1/23/2021</a:t>
             </a:fld>
             <a:endParaRPr lang="en-US"/>
           </a:p>
@@ -2374,10 +2356,9 @@
           </a:lstStyle>
           <a:p>
             <a:r>
-              <a:rPr lang="en-US" smtClean="0"/>
+              <a:rPr lang="en-US"/>
               <a:t>Click to edit Master title style</a:t>
             </a:r>
-            <a:endParaRPr lang="en-US"/>
           </a:p>
         </p:txBody>
       </p:sp>
@@ -2501,7 +2482,7 @@
           <a:p>
             <a:pPr lvl="0"/>
             <a:r>
-              <a:rPr lang="en-US" smtClean="0"/>
+              <a:rPr lang="en-US"/>
               <a:t>Click to edit Master text styles</a:t>
             </a:r>
           </a:p>
@@ -2525,7 +2506,7 @@
             <a:fld id="{1D8BD707-D9CF-40AE-B4C6-C98DA3205C09}" type="datetimeFigureOut">
               <a:rPr lang="en-US" smtClean="0"/>
               <a:pPr/>
-              <a:t>9/10/2018</a:t>
+              <a:t>1/23/2021</a:t>
             </a:fld>
             <a:endParaRPr lang="en-US"/>
           </a:p>
@@ -2630,10 +2611,9 @@
           <a:lstStyle/>
           <a:p>
             <a:r>
-              <a:rPr lang="en-US" smtClean="0"/>
+              <a:rPr lang="en-US"/>
               <a:t>Click to edit Master title style</a:t>
             </a:r>
-            <a:endParaRPr lang="en-US"/>
           </a:p>
         </p:txBody>
       </p:sp>
@@ -2664,38 +2644,37 @@
           <a:p>
             <a:pPr lvl="0"/>
             <a:r>
-              <a:rPr lang="en-US" smtClean="0"/>
+              <a:rPr lang="en-US"/>
               <a:t>Click to edit Master text styles</a:t>
             </a:r>
           </a:p>
           <a:p>
             <a:pPr lvl="1"/>
             <a:r>
-              <a:rPr lang="en-US" smtClean="0"/>
+              <a:rPr lang="en-US"/>
               <a:t>Second level</a:t>
             </a:r>
           </a:p>
           <a:p>
             <a:pPr lvl="2"/>
             <a:r>
-              <a:rPr lang="en-US" smtClean="0"/>
+              <a:rPr lang="en-US"/>
               <a:t>Third level</a:t>
             </a:r>
           </a:p>
           <a:p>
             <a:pPr lvl="3"/>
             <a:r>
-              <a:rPr lang="en-US" smtClean="0"/>
+              <a:rPr lang="en-US"/>
               <a:t>Fourth level</a:t>
             </a:r>
           </a:p>
           <a:p>
             <a:pPr lvl="4"/>
             <a:r>
-              <a:rPr lang="en-US" smtClean="0"/>
+              <a:rPr lang="en-US"/>
               <a:t>Fifth level</a:t>
             </a:r>
-            <a:endParaRPr lang="en-US"/>
           </a:p>
         </p:txBody>
       </p:sp>
@@ -2735,7 +2714,7 @@
             <a:fld id="{1D8BD707-D9CF-40AE-B4C6-C98DA3205C09}" type="datetimeFigureOut">
               <a:rPr lang="en-US" smtClean="0"/>
               <a:pPr/>
-              <a:t>9/10/2018</a:t>
+              <a:t>1/23/2021</a:t>
             </a:fld>
             <a:endParaRPr lang="en-US"/>
           </a:p>
@@ -3122,10 +3101,9 @@
           <a:lstStyle/>
           <a:p>
             <a:r>
-              <a:rPr lang="en-US" dirty="0" smtClean="0"/>
+              <a:rPr lang="en-US" dirty="0"/>
               <a:t>Functional Dependency</a:t>
             </a:r>
-            <a:endParaRPr lang="en-US" dirty="0"/>
           </a:p>
         </p:txBody>
       </p:sp>
@@ -3148,7 +3126,7 @@
               <a:buAutoNum type="arabicPeriod"/>
             </a:pPr>
             <a:r>
-              <a:rPr lang="en-US" dirty="0" smtClean="0"/>
+              <a:rPr lang="en-US" dirty="0"/>
               <a:t>Closure</a:t>
             </a:r>
           </a:p>
@@ -3157,7 +3135,7 @@
               <a:buAutoNum type="arabicPeriod"/>
             </a:pPr>
             <a:r>
-              <a:rPr lang="en-US" dirty="0" smtClean="0"/>
+              <a:rPr lang="en-US" dirty="0"/>
               <a:t>Minimal Cover on FD</a:t>
             </a:r>
           </a:p>
@@ -3166,10 +3144,9 @@
               <a:buAutoNum type="arabicPeriod"/>
             </a:pPr>
             <a:r>
-              <a:rPr lang="en-US" dirty="0" smtClean="0"/>
+              <a:rPr lang="en-US" dirty="0"/>
               <a:t>Equivalence of FD</a:t>
             </a:r>
-            <a:endParaRPr lang="en-US" dirty="0"/>
           </a:p>
         </p:txBody>
       </p:sp>
@@ -3178,13 +3155,6 @@
   <p:clrMapOvr>
     <a:masterClrMapping/>
   </p:clrMapOvr>
-  <p:timing>
-    <p:tnLst>
-      <p:par>
-        <p:cTn id="1" dur="indefinite" restart="never" nodeType="tmRoot"/>
-      </p:par>
-    </p:tnLst>
-  </p:timing>
 </p:sld>
 </file>
 
@@ -3221,10 +3191,9 @@
           <a:lstStyle/>
           <a:p>
             <a:r>
-              <a:rPr lang="en-IN" dirty="0" smtClean="0"/>
+              <a:rPr lang="en-IN" dirty="0"/>
               <a:t>Solution</a:t>
             </a:r>
-            <a:endParaRPr lang="en-IN" dirty="0"/>
           </a:p>
         </p:txBody>
       </p:sp>
@@ -3249,117 +3218,77 @@
               <a:rPr lang="en-IN" dirty="0"/>
               <a:t>If K is a key of R, then K functionally determines all attributes in R. </a:t>
             </a:r>
-            <a:endParaRPr lang="en-IN" dirty="0" smtClean="0"/>
           </a:p>
           <a:p>
             <a:pPr marL="0" indent="0">
               <a:buNone/>
             </a:pPr>
             <a:r>
-              <a:rPr lang="en-IN" dirty="0" smtClean="0"/>
-              <a:t>(</a:t>
-            </a:r>
-            <a:r>
               <a:rPr lang="en-IN" dirty="0"/>
-              <a:t>A)+={A,B,C} </a:t>
-            </a:r>
-            <a:endParaRPr lang="en-IN" dirty="0" smtClean="0"/>
+              <a:t>(A)+={A,B,C} </a:t>
+            </a:r>
           </a:p>
           <a:p>
             <a:pPr marL="0" indent="0">
               <a:buNone/>
             </a:pPr>
             <a:r>
-              <a:rPr lang="en-IN" dirty="0" smtClean="0"/>
-              <a:t>(</a:t>
-            </a:r>
-            <a:r>
               <a:rPr lang="en-IN" dirty="0"/>
-              <a:t>B)+={B} </a:t>
-            </a:r>
-            <a:endParaRPr lang="en-IN" dirty="0" smtClean="0"/>
+              <a:t>(B)+={B} </a:t>
+            </a:r>
           </a:p>
           <a:p>
             <a:pPr marL="0" indent="0">
               <a:buNone/>
             </a:pPr>
             <a:r>
-              <a:rPr lang="en-IN" dirty="0" smtClean="0"/>
-              <a:t>(</a:t>
-            </a:r>
-            <a:r>
               <a:rPr lang="en-IN" dirty="0"/>
-              <a:t>C)+={C} </a:t>
-            </a:r>
-            <a:endParaRPr lang="en-IN" dirty="0" smtClean="0"/>
+              <a:t>(C)+={C} </a:t>
+            </a:r>
           </a:p>
           <a:p>
             <a:pPr marL="0" indent="0">
               <a:buNone/>
             </a:pPr>
             <a:r>
-              <a:rPr lang="en-IN" dirty="0" smtClean="0"/>
-              <a:t>(</a:t>
-            </a:r>
-            <a:r>
               <a:rPr lang="en-IN" dirty="0"/>
-              <a:t>D)+={D,A,E,H,B,C} </a:t>
-            </a:r>
-            <a:endParaRPr lang="en-IN" dirty="0" smtClean="0"/>
+              <a:t>(D)+={D,A,E,H,B,C} </a:t>
+            </a:r>
           </a:p>
           <a:p>
             <a:pPr marL="0" indent="0">
               <a:buNone/>
             </a:pPr>
             <a:r>
-              <a:rPr lang="en-IN" dirty="0" smtClean="0"/>
-              <a:t>(</a:t>
-            </a:r>
-            <a:r>
               <a:rPr lang="en-IN" dirty="0"/>
-              <a:t>E)+={E,C} </a:t>
-            </a:r>
-            <a:endParaRPr lang="en-IN" dirty="0" smtClean="0"/>
+              <a:t>(E)+={E,C} </a:t>
+            </a:r>
           </a:p>
           <a:p>
             <a:pPr marL="0" indent="0">
               <a:buNone/>
             </a:pPr>
             <a:r>
-              <a:rPr lang="en-IN" dirty="0" smtClean="0"/>
-              <a:t>(</a:t>
-            </a:r>
-            <a:r>
               <a:rPr lang="en-IN" dirty="0"/>
-              <a:t>H)+={H} </a:t>
-            </a:r>
-            <a:endParaRPr lang="en-IN" dirty="0" smtClean="0"/>
+              <a:t>(H)+={H} </a:t>
+            </a:r>
           </a:p>
           <a:p>
             <a:pPr marL="0" indent="0">
               <a:buNone/>
             </a:pPr>
             <a:r>
-              <a:rPr lang="en-IN" dirty="0" smtClean="0"/>
-              <a:t>AH</a:t>
-            </a:r>
-            <a:r>
               <a:rPr lang="en-IN" dirty="0"/>
-              <a:t>+ = ABCHDE </a:t>
-            </a:r>
-            <a:endParaRPr lang="en-IN" dirty="0" smtClean="0"/>
+              <a:t>AH+ = ABCHDE </a:t>
+            </a:r>
           </a:p>
           <a:p>
             <a:pPr marL="0" indent="0">
               <a:buNone/>
             </a:pPr>
             <a:r>
-              <a:rPr lang="en-IN" dirty="0" smtClean="0"/>
-              <a:t>The </a:t>
-            </a:r>
-            <a:r>
               <a:rPr lang="en-IN" dirty="0"/>
-              <a:t>keys for relation R is D and AH+. </a:t>
+              <a:t>The keys for relation R is D and AH+. </a:t>
             </a:r>
           </a:p>
         </p:txBody>
@@ -3412,10 +3341,9 @@
           <a:lstStyle/>
           <a:p>
             <a:r>
-              <a:rPr lang="en-US" dirty="0" smtClean="0"/>
+              <a:rPr lang="en-US" dirty="0"/>
               <a:t>Minimal cover on Functional Dependency</a:t>
             </a:r>
-            <a:endParaRPr lang="en-US" dirty="0"/>
           </a:p>
         </p:txBody>
       </p:sp>
@@ -3435,22 +3363,21 @@
           <a:lstStyle/>
           <a:p>
             <a:r>
-              <a:rPr lang="en-US" dirty="0" smtClean="0"/>
+              <a:rPr lang="en-US" dirty="0"/>
               <a:t>Step-1: In RHS , should have single attribute</a:t>
             </a:r>
           </a:p>
           <a:p>
             <a:r>
-              <a:rPr lang="en-US" dirty="0" smtClean="0"/>
+              <a:rPr lang="en-US" dirty="0"/>
               <a:t>Step-2: In LHS, remove extraneous attributes</a:t>
             </a:r>
           </a:p>
           <a:p>
             <a:r>
-              <a:rPr lang="en-US" dirty="0" smtClean="0"/>
+              <a:rPr lang="en-US" dirty="0"/>
               <a:t>Step-3: Eliminate the redundancy in FD, if so. </a:t>
             </a:r>
-            <a:endParaRPr lang="en-US" dirty="0"/>
           </a:p>
         </p:txBody>
       </p:sp>
@@ -3459,13 +3386,6 @@
   <p:clrMapOvr>
     <a:masterClrMapping/>
   </p:clrMapOvr>
-  <p:timing>
-    <p:tnLst>
-      <p:par>
-        <p:cTn id="1" dur="indefinite" restart="never" nodeType="tmRoot"/>
-      </p:par>
-    </p:tnLst>
-  </p:timing>
 </p:sld>
 </file>
 
@@ -3504,10 +3424,9 @@
           <a:lstStyle/>
           <a:p>
             <a:r>
-              <a:rPr lang="en-US" dirty="0" smtClean="0"/>
+              <a:rPr lang="en-US" dirty="0"/>
               <a:t>Minimal cover on Functional Dependency- Problems</a:t>
             </a:r>
-            <a:endParaRPr lang="en-US" dirty="0"/>
           </a:p>
         </p:txBody>
       </p:sp>
@@ -3532,7 +3451,7 @@
               <a:buAutoNum type="arabicParenR"/>
             </a:pPr>
             <a:r>
-              <a:rPr lang="en-US" dirty="0" smtClean="0"/>
+              <a:rPr lang="en-US" dirty="0"/>
               <a:t>R={ A,B,C,D,E,F}</a:t>
             </a:r>
           </a:p>
@@ -3541,7 +3460,7 @@
               <a:buNone/>
             </a:pPr>
             <a:r>
-              <a:rPr lang="en-US" dirty="0" smtClean="0"/>
+              <a:rPr lang="en-US" dirty="0"/>
               <a:t>		FD={ AB-&gt;D, B-&gt;C, AE-&gt;B, A-&gt;D, D-&gt;EF}</a:t>
             </a:r>
           </a:p>
@@ -3550,7 +3469,7 @@
               <a:buNone/>
             </a:pPr>
             <a:r>
-              <a:rPr lang="en-US" dirty="0" smtClean="0"/>
+              <a:rPr lang="en-US" dirty="0"/>
               <a:t>Step-1: </a:t>
             </a:r>
           </a:p>
@@ -3559,7 +3478,7 @@
               <a:buNone/>
             </a:pPr>
             <a:r>
-              <a:rPr lang="en-US" dirty="0" smtClean="0"/>
+              <a:rPr lang="en-US" dirty="0"/>
               <a:t>	AB-&gt;D</a:t>
             </a:r>
           </a:p>
@@ -3568,7 +3487,7 @@
               <a:buNone/>
             </a:pPr>
             <a:r>
-              <a:rPr lang="en-US" dirty="0" smtClean="0"/>
+              <a:rPr lang="en-US" dirty="0"/>
               <a:t>	B-&gt;C</a:t>
             </a:r>
           </a:p>
@@ -3577,7 +3496,7 @@
               <a:buNone/>
             </a:pPr>
             <a:r>
-              <a:rPr lang="en-US" dirty="0" smtClean="0"/>
+              <a:rPr lang="en-US" dirty="0"/>
               <a:t>	AE-&gt;B</a:t>
             </a:r>
           </a:p>
@@ -3586,7 +3505,7 @@
               <a:buNone/>
             </a:pPr>
             <a:r>
-              <a:rPr lang="en-US" dirty="0" smtClean="0"/>
+              <a:rPr lang="en-US" dirty="0"/>
               <a:t>	A-&gt;D</a:t>
             </a:r>
           </a:p>
@@ -3595,7 +3514,7 @@
               <a:buNone/>
             </a:pPr>
             <a:r>
-              <a:rPr lang="en-US" dirty="0" smtClean="0"/>
+              <a:rPr lang="en-US" dirty="0"/>
               <a:t>	D-&gt;E</a:t>
             </a:r>
           </a:p>
@@ -3604,10 +3523,9 @@
               <a:buNone/>
             </a:pPr>
             <a:r>
-              <a:rPr lang="en-US" dirty="0" smtClean="0"/>
+              <a:rPr lang="en-US" dirty="0"/>
               <a:t>	D-&gt;F</a:t>
             </a:r>
-            <a:endParaRPr lang="en-US" dirty="0"/>
           </a:p>
         </p:txBody>
       </p:sp>
@@ -3616,13 +3534,6 @@
   <p:clrMapOvr>
     <a:masterClrMapping/>
   </p:clrMapOvr>
-  <p:timing>
-    <p:tnLst>
-      <p:par>
-        <p:cTn id="1" dur="indefinite" restart="never" nodeType="tmRoot"/>
-      </p:par>
-    </p:tnLst>
-  </p:timing>
 </p:sld>
 </file>
 
@@ -3661,10 +3572,9 @@
           <a:lstStyle/>
           <a:p>
             <a:r>
-              <a:rPr lang="en-US" dirty="0" smtClean="0"/>
+              <a:rPr lang="en-US" dirty="0"/>
               <a:t>Minimal cover on Functional Dependency- Problems</a:t>
             </a:r>
-            <a:endParaRPr lang="en-US" dirty="0"/>
           </a:p>
         </p:txBody>
       </p:sp>
@@ -3689,7 +3599,7 @@
               <a:buAutoNum type="arabicParenR"/>
             </a:pPr>
             <a:r>
-              <a:rPr lang="en-US" dirty="0" smtClean="0"/>
+              <a:rPr lang="en-US" dirty="0"/>
               <a:t>R={ A,B,C,D,E,F}</a:t>
             </a:r>
           </a:p>
@@ -3698,7 +3608,7 @@
               <a:buNone/>
             </a:pPr>
             <a:r>
-              <a:rPr lang="en-US" dirty="0" smtClean="0"/>
+              <a:rPr lang="en-US" dirty="0"/>
               <a:t>		FD={ AB-&gt;D, B-&gt;C, AE-&gt;B, A-&gt;D, D-&gt;EF}</a:t>
             </a:r>
           </a:p>
@@ -3707,7 +3617,7 @@
               <a:buNone/>
             </a:pPr>
             <a:r>
-              <a:rPr lang="en-US" dirty="0" smtClean="0"/>
+              <a:rPr lang="en-US" dirty="0"/>
               <a:t>Step-2: </a:t>
             </a:r>
           </a:p>
@@ -3716,11 +3626,11 @@
               <a:buNone/>
             </a:pPr>
             <a:r>
-              <a:rPr lang="en-US" dirty="0" smtClean="0"/>
+              <a:rPr lang="en-US" dirty="0"/>
               <a:t>	AB-&gt;D==========</a:t>
             </a:r>
             <a:r>
-              <a:rPr lang="en-US" dirty="0" smtClean="0">
+              <a:rPr lang="en-US" dirty="0">
                 <a:sym typeface="Wingdings" pitchFamily="2" charset="2"/>
               </a:rPr>
               <a:t> A+, B+</a:t>
@@ -3731,7 +3641,7 @@
               <a:buNone/>
             </a:pPr>
             <a:r>
-              <a:rPr lang="en-US" dirty="0" smtClean="0">
+              <a:rPr lang="en-US" dirty="0">
                 <a:sym typeface="Wingdings" pitchFamily="2" charset="2"/>
               </a:rPr>
               <a:t>	A+={A,D,E,F,B,C}</a:t>
@@ -3742,7 +3652,7 @@
               <a:buNone/>
             </a:pPr>
             <a:r>
-              <a:rPr lang="en-US" dirty="0" smtClean="0">
+              <a:rPr lang="en-US" dirty="0">
                 <a:sym typeface="Wingdings" pitchFamily="2" charset="2"/>
               </a:rPr>
               <a:t>	B+={B,C}</a:t>
@@ -3753,7 +3663,7 @@
               <a:buNone/>
             </a:pPr>
             <a:r>
-              <a:rPr lang="en-US" dirty="0" smtClean="0">
+              <a:rPr lang="en-US" dirty="0">
                 <a:sym typeface="Wingdings" pitchFamily="2" charset="2"/>
               </a:rPr>
               <a:t>	remove B in the above FD</a:t>
@@ -3764,22 +3674,21 @@
               <a:buNone/>
             </a:pPr>
             <a:r>
-              <a:rPr lang="en-US" dirty="0" smtClean="0">
+              <a:rPr lang="en-US" dirty="0">
                 <a:sym typeface="Wingdings" pitchFamily="2" charset="2"/>
               </a:rPr>
               <a:t>	i.e.,  A-&gt;D</a:t>
             </a:r>
-            <a:endParaRPr lang="en-US" dirty="0" smtClean="0"/>
-          </a:p>
-          <a:p>
-            <a:pPr marL="514350" indent="-514350">
-              <a:buNone/>
-            </a:pPr>
-            <a:r>
-              <a:rPr lang="en-US" dirty="0" smtClean="0"/>
+            <a:endParaRPr lang="en-US" dirty="0"/>
+          </a:p>
+          <a:p>
+            <a:pPr marL="514350" indent="-514350">
+              <a:buNone/>
+            </a:pPr>
+            <a:r>
+              <a:rPr lang="en-US" dirty="0"/>
               <a:t>	</a:t>
             </a:r>
-            <a:endParaRPr lang="en-US" dirty="0"/>
           </a:p>
         </p:txBody>
       </p:sp>
@@ -3788,13 +3697,6 @@
   <p:clrMapOvr>
     <a:masterClrMapping/>
   </p:clrMapOvr>
-  <p:timing>
-    <p:tnLst>
-      <p:par>
-        <p:cTn id="1" dur="indefinite" restart="never" nodeType="tmRoot"/>
-      </p:par>
-    </p:tnLst>
-  </p:timing>
 </p:sld>
 </file>
 
@@ -3833,10 +3735,9 @@
           <a:lstStyle/>
           <a:p>
             <a:r>
-              <a:rPr lang="en-US" dirty="0" smtClean="0"/>
+              <a:rPr lang="en-US" dirty="0"/>
               <a:t>Minimal cover on Functional Dependency- Problems</a:t>
             </a:r>
-            <a:endParaRPr lang="en-US" dirty="0"/>
           </a:p>
         </p:txBody>
       </p:sp>
@@ -3861,7 +3762,7 @@
               <a:buAutoNum type="arabicParenR"/>
             </a:pPr>
             <a:r>
-              <a:rPr lang="en-US" dirty="0" smtClean="0"/>
+              <a:rPr lang="en-US" dirty="0"/>
               <a:t>R={ A,B,C,D,E,F}</a:t>
             </a:r>
           </a:p>
@@ -3870,7 +3771,7 @@
               <a:buNone/>
             </a:pPr>
             <a:r>
-              <a:rPr lang="en-US" dirty="0" smtClean="0"/>
+              <a:rPr lang="en-US" dirty="0"/>
               <a:t>		FD={ AB-&gt;D, B-&gt;C, AE-&gt;B, A-&gt;D, D-&gt;EF}</a:t>
             </a:r>
           </a:p>
@@ -3879,7 +3780,7 @@
               <a:buNone/>
             </a:pPr>
             <a:r>
-              <a:rPr lang="en-US" dirty="0" smtClean="0"/>
+              <a:rPr lang="en-US" dirty="0"/>
               <a:t>Step-2: </a:t>
             </a:r>
           </a:p>
@@ -3888,11 +3789,11 @@
               <a:buNone/>
             </a:pPr>
             <a:r>
-              <a:rPr lang="en-US" dirty="0" smtClean="0"/>
+              <a:rPr lang="en-US" dirty="0"/>
               <a:t>	AE-&gt;B==========</a:t>
             </a:r>
             <a:r>
-              <a:rPr lang="en-US" dirty="0" smtClean="0">
+              <a:rPr lang="en-US" dirty="0">
                 <a:sym typeface="Wingdings" pitchFamily="2" charset="2"/>
               </a:rPr>
               <a:t> A+, E+</a:t>
@@ -3903,7 +3804,7 @@
               <a:buNone/>
             </a:pPr>
             <a:r>
-              <a:rPr lang="en-US" dirty="0" smtClean="0">
+              <a:rPr lang="en-US" dirty="0">
                 <a:sym typeface="Wingdings" pitchFamily="2" charset="2"/>
               </a:rPr>
               <a:t>	A+={A,D,E,F,B,C}</a:t>
@@ -3914,7 +3815,7 @@
               <a:buNone/>
             </a:pPr>
             <a:r>
-              <a:rPr lang="en-US" dirty="0" smtClean="0">
+              <a:rPr lang="en-US" dirty="0">
                 <a:sym typeface="Wingdings" pitchFamily="2" charset="2"/>
               </a:rPr>
               <a:t>	E+={E}</a:t>
@@ -3925,7 +3826,7 @@
               <a:buNone/>
             </a:pPr>
             <a:r>
-              <a:rPr lang="en-US" dirty="0" smtClean="0">
+              <a:rPr lang="en-US" dirty="0">
                 <a:sym typeface="Wingdings" pitchFamily="2" charset="2"/>
               </a:rPr>
               <a:t>	remove E in the above FD</a:t>
@@ -3936,22 +3837,21 @@
               <a:buNone/>
             </a:pPr>
             <a:r>
-              <a:rPr lang="en-US" dirty="0" smtClean="0">
+              <a:rPr lang="en-US" dirty="0">
                 <a:sym typeface="Wingdings" pitchFamily="2" charset="2"/>
               </a:rPr>
               <a:t>	i.e.,  A-&gt;B</a:t>
             </a:r>
-            <a:endParaRPr lang="en-US" dirty="0" smtClean="0"/>
-          </a:p>
-          <a:p>
-            <a:pPr marL="514350" indent="-514350">
-              <a:buNone/>
-            </a:pPr>
-            <a:r>
-              <a:rPr lang="en-US" dirty="0" smtClean="0"/>
+            <a:endParaRPr lang="en-US" dirty="0"/>
+          </a:p>
+          <a:p>
+            <a:pPr marL="514350" indent="-514350">
+              <a:buNone/>
+            </a:pPr>
+            <a:r>
+              <a:rPr lang="en-US" dirty="0"/>
               <a:t>	</a:t>
             </a:r>
-            <a:endParaRPr lang="en-US" dirty="0"/>
           </a:p>
         </p:txBody>
       </p:sp>
@@ -3960,13 +3860,6 @@
   <p:clrMapOvr>
     <a:masterClrMapping/>
   </p:clrMapOvr>
-  <p:timing>
-    <p:tnLst>
-      <p:par>
-        <p:cTn id="1" dur="indefinite" restart="never" nodeType="tmRoot"/>
-      </p:par>
-    </p:tnLst>
-  </p:timing>
 </p:sld>
 </file>
 
@@ -4005,10 +3898,9 @@
           <a:lstStyle/>
           <a:p>
             <a:r>
-              <a:rPr lang="en-US" dirty="0" smtClean="0"/>
+              <a:rPr lang="en-US" dirty="0"/>
               <a:t>Minimal cover on Functional Dependency- Problems</a:t>
             </a:r>
-            <a:endParaRPr lang="en-US" dirty="0"/>
           </a:p>
         </p:txBody>
       </p:sp>
@@ -4033,7 +3925,7 @@
               <a:buAutoNum type="arabicParenR"/>
             </a:pPr>
             <a:r>
-              <a:rPr lang="en-US" dirty="0" smtClean="0"/>
+              <a:rPr lang="en-US" dirty="0"/>
               <a:t>R={ A,B,C,D,E,F}</a:t>
             </a:r>
           </a:p>
@@ -4042,7 +3934,7 @@
               <a:buNone/>
             </a:pPr>
             <a:r>
-              <a:rPr lang="en-US" dirty="0" smtClean="0"/>
+              <a:rPr lang="en-US" dirty="0"/>
               <a:t>		FD={ AB-&gt;D, B-&gt;C, AE-&gt;B, A-&gt;D, D-&gt;EF}</a:t>
             </a:r>
           </a:p>
@@ -4051,7 +3943,7 @@
               <a:buNone/>
             </a:pPr>
             <a:r>
-              <a:rPr lang="en-US" dirty="0" smtClean="0"/>
+              <a:rPr lang="en-US" dirty="0"/>
               <a:t>Step-2: </a:t>
             </a:r>
           </a:p>
@@ -4060,7 +3952,7 @@
               <a:buNone/>
             </a:pPr>
             <a:r>
-              <a:rPr lang="en-US" dirty="0" smtClean="0"/>
+              <a:rPr lang="en-US" dirty="0"/>
               <a:t>	A-&gt;D</a:t>
             </a:r>
           </a:p>
@@ -4069,7 +3961,7 @@
               <a:buNone/>
             </a:pPr>
             <a:r>
-              <a:rPr lang="en-US" dirty="0" smtClean="0"/>
+              <a:rPr lang="en-US" dirty="0"/>
               <a:t>	B-&gt;C</a:t>
             </a:r>
           </a:p>
@@ -4078,7 +3970,7 @@
               <a:buNone/>
             </a:pPr>
             <a:r>
-              <a:rPr lang="en-US" dirty="0" smtClean="0"/>
+              <a:rPr lang="en-US" dirty="0"/>
               <a:t>	A-&gt;B</a:t>
             </a:r>
           </a:p>
@@ -4087,11 +3979,11 @@
               <a:buNone/>
             </a:pPr>
             <a:r>
-              <a:rPr lang="en-US" dirty="0" smtClean="0"/>
+              <a:rPr lang="en-US" dirty="0"/>
               <a:t>	</a:t>
             </a:r>
             <a:r>
-              <a:rPr lang="en-US" dirty="0" smtClean="0">
+              <a:rPr lang="en-US" dirty="0">
                 <a:solidFill>
                   <a:srgbClr val="FF0000"/>
                 </a:solidFill>
@@ -4104,7 +3996,7 @@
               <a:buNone/>
             </a:pPr>
             <a:r>
-              <a:rPr lang="en-US" dirty="0" smtClean="0"/>
+              <a:rPr lang="en-US" dirty="0"/>
               <a:t>	D-&gt;E</a:t>
             </a:r>
           </a:p>
@@ -4113,10 +4005,9 @@
               <a:buNone/>
             </a:pPr>
             <a:r>
-              <a:rPr lang="en-US" dirty="0" smtClean="0"/>
+              <a:rPr lang="en-US" dirty="0"/>
               <a:t>	D-&gt;F</a:t>
             </a:r>
-            <a:endParaRPr lang="en-US" dirty="0"/>
           </a:p>
         </p:txBody>
       </p:sp>
@@ -4125,13 +4016,6 @@
   <p:clrMapOvr>
     <a:masterClrMapping/>
   </p:clrMapOvr>
-  <p:timing>
-    <p:tnLst>
-      <p:par>
-        <p:cTn id="1" dur="indefinite" restart="never" nodeType="tmRoot"/>
-      </p:par>
-    </p:tnLst>
-  </p:timing>
 </p:sld>
 </file>
 
@@ -4170,10 +4054,9 @@
           <a:lstStyle/>
           <a:p>
             <a:r>
-              <a:rPr lang="en-US" dirty="0" smtClean="0"/>
+              <a:rPr lang="en-US" dirty="0"/>
               <a:t>Minimal cover on Functional Dependency- Problems</a:t>
             </a:r>
-            <a:endParaRPr lang="en-US" dirty="0"/>
           </a:p>
         </p:txBody>
       </p:sp>
@@ -4198,7 +4081,7 @@
               <a:buAutoNum type="arabicParenR"/>
             </a:pPr>
             <a:r>
-              <a:rPr lang="en-US" dirty="0" smtClean="0"/>
+              <a:rPr lang="en-US" dirty="0"/>
               <a:t>R={ A,B,C,D,E,F}</a:t>
             </a:r>
           </a:p>
@@ -4207,7 +4090,7 @@
               <a:buNone/>
             </a:pPr>
             <a:r>
-              <a:rPr lang="en-US" dirty="0" smtClean="0"/>
+              <a:rPr lang="en-US" dirty="0"/>
               <a:t>		FD={ AB-&gt;D, B-&gt;C, AE-&gt;B, A-&gt;D, D-&gt;EF}</a:t>
             </a:r>
           </a:p>
@@ -4216,7 +4099,7 @@
               <a:buNone/>
             </a:pPr>
             <a:r>
-              <a:rPr lang="en-US" dirty="0" smtClean="0"/>
+              <a:rPr lang="en-US" dirty="0"/>
               <a:t>Step-3: </a:t>
             </a:r>
           </a:p>
@@ -4225,7 +4108,7 @@
               <a:buNone/>
             </a:pPr>
             <a:r>
-              <a:rPr lang="en-US" dirty="0" smtClean="0"/>
+              <a:rPr lang="en-US" dirty="0"/>
               <a:t>	A-&gt;D</a:t>
             </a:r>
           </a:p>
@@ -4234,7 +4117,7 @@
               <a:buNone/>
             </a:pPr>
             <a:r>
-              <a:rPr lang="en-US" dirty="0" smtClean="0"/>
+              <a:rPr lang="en-US" dirty="0"/>
               <a:t>	B-&gt;C</a:t>
             </a:r>
           </a:p>
@@ -4243,7 +4126,7 @@
               <a:buNone/>
             </a:pPr>
             <a:r>
-              <a:rPr lang="en-US" dirty="0" smtClean="0"/>
+              <a:rPr lang="en-US" dirty="0"/>
               <a:t>	A-&gt;B</a:t>
             </a:r>
           </a:p>
@@ -4252,7 +4135,7 @@
               <a:buNone/>
             </a:pPr>
             <a:r>
-              <a:rPr lang="en-US" dirty="0" smtClean="0"/>
+              <a:rPr lang="en-US" dirty="0"/>
               <a:t>	D-&gt;E</a:t>
             </a:r>
           </a:p>
@@ -4261,10 +4144,9 @@
               <a:buNone/>
             </a:pPr>
             <a:r>
-              <a:rPr lang="en-US" dirty="0" smtClean="0"/>
+              <a:rPr lang="en-US" dirty="0"/>
               <a:t>	D-&gt;F</a:t>
             </a:r>
-            <a:endParaRPr lang="en-US" dirty="0"/>
           </a:p>
         </p:txBody>
       </p:sp>
@@ -4273,13 +4155,6 @@
   <p:clrMapOvr>
     <a:masterClrMapping/>
   </p:clrMapOvr>
-  <p:timing>
-    <p:tnLst>
-      <p:par>
-        <p:cTn id="1" dur="indefinite" restart="never" nodeType="tmRoot"/>
-      </p:par>
-    </p:tnLst>
-  </p:timing>
 </p:sld>
 </file>
 
@@ -4318,10 +4193,9 @@
           <a:lstStyle/>
           <a:p>
             <a:r>
-              <a:rPr lang="en-US" dirty="0" smtClean="0"/>
+              <a:rPr lang="en-US" dirty="0"/>
               <a:t>Minimal cover on Functional Dependency- Problems</a:t>
             </a:r>
-            <a:endParaRPr lang="en-US" dirty="0"/>
           </a:p>
         </p:txBody>
       </p:sp>
@@ -4346,7 +4220,7 @@
               <a:buAutoNum type="arabicParenR"/>
             </a:pPr>
             <a:r>
-              <a:rPr lang="en-US" dirty="0" smtClean="0"/>
+              <a:rPr lang="en-US" dirty="0"/>
               <a:t>R={ A,B,C,D,E,F}</a:t>
             </a:r>
           </a:p>
@@ -4355,7 +4229,7 @@
               <a:buNone/>
             </a:pPr>
             <a:r>
-              <a:rPr lang="en-US" dirty="0" smtClean="0"/>
+              <a:rPr lang="en-US" dirty="0"/>
               <a:t>		FD={ AB-&gt;D, B-&gt;C, AE-&gt;B, A-&gt;D, D-&gt;EF}</a:t>
             </a:r>
           </a:p>
@@ -4364,7 +4238,7 @@
               <a:buNone/>
             </a:pPr>
             <a:r>
-              <a:rPr lang="en-US" dirty="0" smtClean="0"/>
+              <a:rPr lang="en-US" dirty="0"/>
               <a:t>Step-3: </a:t>
             </a:r>
           </a:p>
@@ -4373,7 +4247,7 @@
               <a:buNone/>
             </a:pPr>
             <a:r>
-              <a:rPr lang="en-US" dirty="0" smtClean="0"/>
+              <a:rPr lang="en-US" dirty="0"/>
               <a:t>	A-&gt;D</a:t>
             </a:r>
           </a:p>
@@ -4382,7 +4256,7 @@
               <a:buNone/>
             </a:pPr>
             <a:r>
-              <a:rPr lang="en-US" dirty="0" smtClean="0"/>
+              <a:rPr lang="en-US" dirty="0"/>
               <a:t>	B-&gt;C</a:t>
             </a:r>
           </a:p>
@@ -4391,7 +4265,7 @@
               <a:buNone/>
             </a:pPr>
             <a:r>
-              <a:rPr lang="en-US" dirty="0" smtClean="0"/>
+              <a:rPr lang="en-US" dirty="0"/>
               <a:t>	A-&gt;B</a:t>
             </a:r>
           </a:p>
@@ -4400,7 +4274,7 @@
               <a:buNone/>
             </a:pPr>
             <a:r>
-              <a:rPr lang="en-US" dirty="0" smtClean="0"/>
+              <a:rPr lang="en-US" dirty="0"/>
               <a:t>	D-&gt;E</a:t>
             </a:r>
           </a:p>
@@ -4409,7 +4283,7 @@
               <a:buNone/>
             </a:pPr>
             <a:r>
-              <a:rPr lang="en-US" dirty="0" smtClean="0"/>
+              <a:rPr lang="en-US" dirty="0"/>
               <a:t>	D-&gt;F</a:t>
             </a:r>
           </a:p>
@@ -4418,10 +4292,9 @@
               <a:buNone/>
             </a:pPr>
             <a:r>
-              <a:rPr lang="en-US" dirty="0" smtClean="0"/>
+              <a:rPr lang="en-US" dirty="0"/>
               <a:t>Find A+ from the above FD except A-&gt;D</a:t>
             </a:r>
-            <a:endParaRPr lang="en-US" dirty="0"/>
           </a:p>
         </p:txBody>
       </p:sp>
@@ -4430,13 +4303,6 @@
   <p:clrMapOvr>
     <a:masterClrMapping/>
   </p:clrMapOvr>
-  <p:timing>
-    <p:tnLst>
-      <p:par>
-        <p:cTn id="1" dur="indefinite" restart="never" nodeType="tmRoot"/>
-      </p:par>
-    </p:tnLst>
-  </p:timing>
 </p:sld>
 </file>
 
@@ -4475,10 +4341,9 @@
           <a:lstStyle/>
           <a:p>
             <a:r>
-              <a:rPr lang="en-US" dirty="0" smtClean="0"/>
+              <a:rPr lang="en-US" dirty="0"/>
               <a:t>Minimal cover on Functional Dependency- Problems</a:t>
             </a:r>
-            <a:endParaRPr lang="en-US" dirty="0"/>
           </a:p>
         </p:txBody>
       </p:sp>
@@ -4503,7 +4368,7 @@
               <a:buAutoNum type="arabicParenR"/>
             </a:pPr>
             <a:r>
-              <a:rPr lang="en-US" dirty="0" smtClean="0"/>
+              <a:rPr lang="en-US" dirty="0"/>
               <a:t>R={ A,B,C,D,E,F}</a:t>
             </a:r>
           </a:p>
@@ -4512,7 +4377,7 @@
               <a:buNone/>
             </a:pPr>
             <a:r>
-              <a:rPr lang="en-US" dirty="0" smtClean="0"/>
+              <a:rPr lang="en-US" dirty="0"/>
               <a:t>		FD={ AB-&gt;D, B-&gt;C, AE-&gt;B, A-&gt;D, D-&gt;EF}</a:t>
             </a:r>
           </a:p>
@@ -4521,7 +4386,7 @@
               <a:buNone/>
             </a:pPr>
             <a:r>
-              <a:rPr lang="en-US" dirty="0" smtClean="0"/>
+              <a:rPr lang="en-US" dirty="0"/>
               <a:t>Step-3: </a:t>
             </a:r>
           </a:p>
@@ -4530,7 +4395,7 @@
               <a:buNone/>
             </a:pPr>
             <a:r>
-              <a:rPr lang="en-US" dirty="0" smtClean="0"/>
+              <a:rPr lang="en-US" dirty="0"/>
               <a:t>	A-&gt;D</a:t>
             </a:r>
           </a:p>
@@ -4539,7 +4404,7 @@
               <a:buNone/>
             </a:pPr>
             <a:r>
-              <a:rPr lang="en-US" dirty="0" smtClean="0"/>
+              <a:rPr lang="en-US" dirty="0"/>
               <a:t>	B-&gt;C</a:t>
             </a:r>
           </a:p>
@@ -4548,7 +4413,7 @@
               <a:buNone/>
             </a:pPr>
             <a:r>
-              <a:rPr lang="en-US" dirty="0" smtClean="0"/>
+              <a:rPr lang="en-US" dirty="0"/>
               <a:t>	A-&gt;B</a:t>
             </a:r>
           </a:p>
@@ -4557,7 +4422,7 @@
               <a:buNone/>
             </a:pPr>
             <a:r>
-              <a:rPr lang="en-US" dirty="0" smtClean="0"/>
+              <a:rPr lang="en-US" dirty="0"/>
               <a:t>	D-&gt;E</a:t>
             </a:r>
           </a:p>
@@ -4566,7 +4431,7 @@
               <a:buNone/>
             </a:pPr>
             <a:r>
-              <a:rPr lang="en-US" dirty="0" smtClean="0"/>
+              <a:rPr lang="en-US" dirty="0"/>
               <a:t>	D-&gt;F</a:t>
             </a:r>
           </a:p>
@@ -4575,10 +4440,9 @@
               <a:buNone/>
             </a:pPr>
             <a:r>
-              <a:rPr lang="en-US" dirty="0" smtClean="0"/>
+              <a:rPr lang="en-US" dirty="0"/>
               <a:t>Find B+ from the above FD except B-&gt;C</a:t>
             </a:r>
-            <a:endParaRPr lang="en-US" dirty="0"/>
           </a:p>
         </p:txBody>
       </p:sp>
@@ -4587,13 +4451,6 @@
   <p:clrMapOvr>
     <a:masterClrMapping/>
   </p:clrMapOvr>
-  <p:timing>
-    <p:tnLst>
-      <p:par>
-        <p:cTn id="1" dur="indefinite" restart="never" nodeType="tmRoot"/>
-      </p:par>
-    </p:tnLst>
-  </p:timing>
 </p:sld>
 </file>
 
@@ -4632,10 +4489,9 @@
           <a:lstStyle/>
           <a:p>
             <a:r>
-              <a:rPr lang="en-US" dirty="0" smtClean="0"/>
+              <a:rPr lang="en-US" dirty="0"/>
               <a:t>Minimal cover on Functional Dependency- Problems</a:t>
             </a:r>
-            <a:endParaRPr lang="en-US" dirty="0"/>
           </a:p>
         </p:txBody>
       </p:sp>
@@ -4660,7 +4516,7 @@
               <a:buAutoNum type="arabicParenR"/>
             </a:pPr>
             <a:r>
-              <a:rPr lang="en-US" dirty="0" smtClean="0"/>
+              <a:rPr lang="en-US" dirty="0"/>
               <a:t>R={ A,B,C,D,E,F}</a:t>
             </a:r>
           </a:p>
@@ -4669,7 +4525,7 @@
               <a:buNone/>
             </a:pPr>
             <a:r>
-              <a:rPr lang="en-US" dirty="0" smtClean="0"/>
+              <a:rPr lang="en-US" dirty="0"/>
               <a:t>		FD={ AB-&gt;D, B-&gt;C, AE-&gt;B, A-&gt;D, D-&gt;EF}</a:t>
             </a:r>
           </a:p>
@@ -4678,7 +4534,7 @@
               <a:buNone/>
             </a:pPr>
             <a:r>
-              <a:rPr lang="en-US" dirty="0" smtClean="0"/>
+              <a:rPr lang="en-US" dirty="0"/>
               <a:t>Step-3: </a:t>
             </a:r>
           </a:p>
@@ -4687,7 +4543,7 @@
               <a:buNone/>
             </a:pPr>
             <a:r>
-              <a:rPr lang="en-US" dirty="0" smtClean="0"/>
+              <a:rPr lang="en-US" dirty="0"/>
               <a:t>	A-&gt;D</a:t>
             </a:r>
           </a:p>
@@ -4696,7 +4552,7 @@
               <a:buNone/>
             </a:pPr>
             <a:r>
-              <a:rPr lang="en-US" dirty="0" smtClean="0"/>
+              <a:rPr lang="en-US" dirty="0"/>
               <a:t>	B-&gt;C</a:t>
             </a:r>
           </a:p>
@@ -4705,7 +4561,7 @@
               <a:buNone/>
             </a:pPr>
             <a:r>
-              <a:rPr lang="en-US" dirty="0" smtClean="0"/>
+              <a:rPr lang="en-US" dirty="0"/>
               <a:t>	A-&gt;B</a:t>
             </a:r>
           </a:p>
@@ -4714,7 +4570,7 @@
               <a:buNone/>
             </a:pPr>
             <a:r>
-              <a:rPr lang="en-US" dirty="0" smtClean="0"/>
+              <a:rPr lang="en-US" dirty="0"/>
               <a:t>	D-&gt;E</a:t>
             </a:r>
           </a:p>
@@ -4723,7 +4579,7 @@
               <a:buNone/>
             </a:pPr>
             <a:r>
-              <a:rPr lang="en-US" dirty="0" smtClean="0"/>
+              <a:rPr lang="en-US" dirty="0"/>
               <a:t>	D-&gt;F</a:t>
             </a:r>
           </a:p>
@@ -4732,7 +4588,7 @@
               <a:buNone/>
             </a:pPr>
             <a:r>
-              <a:rPr lang="en-US" dirty="0" smtClean="0"/>
+              <a:rPr lang="en-US" dirty="0"/>
               <a:t>Find A+ from the above FD except A-&gt;B</a:t>
             </a:r>
           </a:p>
@@ -4741,10 +4597,9 @@
               <a:buNone/>
             </a:pPr>
             <a:r>
-              <a:rPr lang="en-US" dirty="0" smtClean="0"/>
+              <a:rPr lang="en-US" dirty="0"/>
               <a:t>……</a:t>
             </a:r>
-            <a:endParaRPr lang="en-US" dirty="0"/>
           </a:p>
         </p:txBody>
       </p:sp>
@@ -4753,13 +4608,6 @@
   <p:clrMapOvr>
     <a:masterClrMapping/>
   </p:clrMapOvr>
-  <p:timing>
-    <p:tnLst>
-      <p:par>
-        <p:cTn id="1" dur="indefinite" restart="never" nodeType="tmRoot"/>
-      </p:par>
-    </p:tnLst>
-  </p:timing>
 </p:sld>
 </file>
 
@@ -4796,7 +4644,7 @@
           <a:lstStyle/>
           <a:p>
             <a:r>
-              <a:rPr lang="en-US" b="1" dirty="0" smtClean="0"/>
+              <a:rPr lang="en-US" b="1" dirty="0"/>
               <a:t>Closure</a:t>
             </a:r>
             <a:endParaRPr lang="en-IN" b="1" dirty="0"/>
@@ -4823,15 +4671,7 @@
             <a:pPr algn="just"/>
             <a:r>
               <a:rPr lang="en-US" b="1" dirty="0"/>
-              <a:t>There are three steps to calculate closure of functional </a:t>
-            </a:r>
-            <a:r>
-              <a:rPr lang="en-US" b="1" dirty="0" smtClean="0"/>
-              <a:t>dependency (A-&gt;B). </a:t>
-            </a:r>
-            <a:r>
-              <a:rPr lang="en-US" b="1" dirty="0"/>
-              <a:t>These are:</a:t>
+              <a:t>There are three steps to calculate closure of functional dependency (A-&gt;B). These are:</a:t>
             </a:r>
           </a:p>
           <a:p>
@@ -4913,10 +4753,9 @@
           <a:lstStyle/>
           <a:p>
             <a:r>
-              <a:rPr lang="en-US" dirty="0" smtClean="0"/>
+              <a:rPr lang="en-US" dirty="0"/>
               <a:t>Minimal cover on Functional Dependency- Problems</a:t>
             </a:r>
-            <a:endParaRPr lang="en-US" dirty="0"/>
           </a:p>
         </p:txBody>
       </p:sp>
@@ -4941,7 +4780,7 @@
               <a:buNone/>
             </a:pPr>
             <a:r>
-              <a:rPr lang="en-US" dirty="0" smtClean="0"/>
+              <a:rPr lang="en-US" dirty="0"/>
               <a:t>2) R={ A,B,C,D}</a:t>
             </a:r>
           </a:p>
@@ -4950,7 +4789,7 @@
               <a:buNone/>
             </a:pPr>
             <a:r>
-              <a:rPr lang="en-US" dirty="0" smtClean="0"/>
+              <a:rPr lang="en-US" dirty="0"/>
               <a:t>		FD={ A-&gt;BC, B-&gt;C, A-&gt;B, AB-&gt;C, AC-&gt;D}</a:t>
             </a:r>
           </a:p>
@@ -4961,13 +4800,6 @@
   <p:clrMapOvr>
     <a:masterClrMapping/>
   </p:clrMapOvr>
-  <p:timing>
-    <p:tnLst>
-      <p:par>
-        <p:cTn id="1" dur="indefinite" restart="never" nodeType="tmRoot"/>
-      </p:par>
-    </p:tnLst>
-  </p:timing>
 </p:sld>
 </file>
 
@@ -5006,10 +4838,9 @@
           <a:lstStyle/>
           <a:p>
             <a:r>
-              <a:rPr lang="en-US" dirty="0" smtClean="0"/>
+              <a:rPr lang="en-US" dirty="0"/>
               <a:t>Minimal cover on Functional Dependency- Problems</a:t>
             </a:r>
-            <a:endParaRPr lang="en-US" dirty="0"/>
           </a:p>
         </p:txBody>
       </p:sp>
@@ -5034,7 +4865,7 @@
               <a:buNone/>
             </a:pPr>
             <a:r>
-              <a:rPr lang="en-US" dirty="0" smtClean="0"/>
+              <a:rPr lang="en-US" dirty="0"/>
               <a:t>3) R={ A,B,C,D,E}</a:t>
             </a:r>
           </a:p>
@@ -5043,7 +4874,7 @@
               <a:buNone/>
             </a:pPr>
             <a:r>
-              <a:rPr lang="en-US" dirty="0" smtClean="0"/>
+              <a:rPr lang="en-US" dirty="0"/>
               <a:t>		FD={ A-&gt;D, BC-&gt;AD, C-&gt;B, E-&gt;A, E-&gt;D}</a:t>
             </a:r>
           </a:p>
@@ -5052,7 +4883,7 @@
               <a:buNone/>
             </a:pPr>
             <a:r>
-              <a:rPr lang="en-US" dirty="0" smtClean="0"/>
+              <a:rPr lang="en-US" dirty="0"/>
               <a:t>Step-1:</a:t>
             </a:r>
           </a:p>
@@ -5061,7 +4892,7 @@
               <a:buNone/>
             </a:pPr>
             <a:r>
-              <a:rPr lang="en-US" dirty="0" smtClean="0"/>
+              <a:rPr lang="en-US" dirty="0"/>
               <a:t>	A-&gt;D</a:t>
             </a:r>
           </a:p>
@@ -5070,7 +4901,7 @@
               <a:buNone/>
             </a:pPr>
             <a:r>
-              <a:rPr lang="en-US" dirty="0" smtClean="0"/>
+              <a:rPr lang="en-US" dirty="0"/>
               <a:t>	BC-&gt;A</a:t>
             </a:r>
           </a:p>
@@ -5079,7 +4910,7 @@
               <a:buNone/>
             </a:pPr>
             <a:r>
-              <a:rPr lang="en-US" dirty="0" smtClean="0"/>
+              <a:rPr lang="en-US" dirty="0"/>
               <a:t>	BC-&gt;D</a:t>
             </a:r>
           </a:p>
@@ -5088,7 +4919,7 @@
               <a:buNone/>
             </a:pPr>
             <a:r>
-              <a:rPr lang="en-US" dirty="0" smtClean="0"/>
+              <a:rPr lang="en-US" dirty="0"/>
               <a:t>	C-&gt;B</a:t>
             </a:r>
           </a:p>
@@ -5097,7 +4928,7 @@
               <a:buNone/>
             </a:pPr>
             <a:r>
-              <a:rPr lang="en-US" dirty="0" smtClean="0"/>
+              <a:rPr lang="en-US" dirty="0"/>
               <a:t>	E-&gt;A</a:t>
             </a:r>
           </a:p>
@@ -5106,7 +4937,7 @@
               <a:buNone/>
             </a:pPr>
             <a:r>
-              <a:rPr lang="en-US" dirty="0" smtClean="0"/>
+              <a:rPr lang="en-US" dirty="0"/>
               <a:t>	E-&gt;D</a:t>
             </a:r>
           </a:p>
@@ -5117,13 +4948,6 @@
   <p:clrMapOvr>
     <a:masterClrMapping/>
   </p:clrMapOvr>
-  <p:timing>
-    <p:tnLst>
-      <p:par>
-        <p:cTn id="1" dur="indefinite" restart="never" nodeType="tmRoot"/>
-      </p:par>
-    </p:tnLst>
-  </p:timing>
 </p:sld>
 </file>
 
@@ -5162,10 +4986,9 @@
           <a:lstStyle/>
           <a:p>
             <a:r>
-              <a:rPr lang="en-US" dirty="0" smtClean="0"/>
+              <a:rPr lang="en-US" dirty="0"/>
               <a:t>Minimal cover on Functional Dependency- Problems</a:t>
             </a:r>
-            <a:endParaRPr lang="en-US" dirty="0"/>
           </a:p>
         </p:txBody>
       </p:sp>
@@ -5190,7 +5013,7 @@
               <a:buNone/>
             </a:pPr>
             <a:r>
-              <a:rPr lang="en-US" dirty="0" smtClean="0"/>
+              <a:rPr lang="en-US" dirty="0"/>
               <a:t>3) R={ A,B,C,D,E}</a:t>
             </a:r>
           </a:p>
@@ -5199,7 +5022,7 @@
               <a:buNone/>
             </a:pPr>
             <a:r>
-              <a:rPr lang="en-US" dirty="0" smtClean="0"/>
+              <a:rPr lang="en-US" dirty="0"/>
               <a:t>		FD={ A-&gt;D, BC-&gt;AD, C-&gt;B, E-&gt;A, E-&gt;D}</a:t>
             </a:r>
           </a:p>
@@ -5208,7 +5031,7 @@
               <a:buNone/>
             </a:pPr>
             <a:r>
-              <a:rPr lang="en-US" dirty="0" smtClean="0"/>
+              <a:rPr lang="en-US" dirty="0"/>
               <a:t>Step-2:</a:t>
             </a:r>
           </a:p>
@@ -5216,18 +5039,18 @@
             <a:pPr marL="514350" indent="-514350">
               <a:buNone/>
             </a:pPr>
-            <a:endParaRPr lang="en-US" dirty="0" smtClean="0"/>
-          </a:p>
-          <a:p>
-            <a:pPr marL="514350" indent="-514350">
-              <a:buNone/>
-            </a:pPr>
-            <a:r>
-              <a:rPr lang="en-US" dirty="0" smtClean="0"/>
+            <a:endParaRPr lang="en-US" dirty="0"/>
+          </a:p>
+          <a:p>
+            <a:pPr marL="514350" indent="-514350">
+              <a:buNone/>
+            </a:pPr>
+            <a:r>
+              <a:rPr lang="en-US" dirty="0"/>
               <a:t>BC-&gt;A============</a:t>
             </a:r>
             <a:r>
-              <a:rPr lang="en-US" dirty="0" smtClean="0">
+              <a:rPr lang="en-US" dirty="0">
                 <a:sym typeface="Wingdings" pitchFamily="2" charset="2"/>
               </a:rPr>
               <a:t> B+, C+</a:t>
@@ -5238,16 +5061,16 @@
               <a:buNone/>
             </a:pPr>
             <a:r>
-              <a:rPr lang="en-US" dirty="0" smtClean="0"/>
+              <a:rPr lang="en-US" dirty="0"/>
               <a:t>BC-&gt;D============</a:t>
             </a:r>
             <a:r>
-              <a:rPr lang="en-US" dirty="0" smtClean="0">
+              <a:rPr lang="en-US" dirty="0">
                 <a:sym typeface="Wingdings" pitchFamily="2" charset="2"/>
               </a:rPr>
               <a:t> B+, C+</a:t>
             </a:r>
-            <a:endParaRPr lang="en-US" dirty="0" smtClean="0"/>
+            <a:endParaRPr lang="en-US" dirty="0"/>
           </a:p>
         </p:txBody>
       </p:sp>
@@ -5256,13 +5079,6 @@
   <p:clrMapOvr>
     <a:masterClrMapping/>
   </p:clrMapOvr>
-  <p:timing>
-    <p:tnLst>
-      <p:par>
-        <p:cTn id="1" dur="indefinite" restart="never" nodeType="tmRoot"/>
-      </p:par>
-    </p:tnLst>
-  </p:timing>
 </p:sld>
 </file>
 
@@ -5301,10 +5117,9 @@
           <a:lstStyle/>
           <a:p>
             <a:r>
-              <a:rPr lang="en-US" dirty="0" smtClean="0"/>
+              <a:rPr lang="en-US" dirty="0"/>
               <a:t>Minimal cover on Functional Dependency- Problems</a:t>
             </a:r>
-            <a:endParaRPr lang="en-US" dirty="0"/>
           </a:p>
         </p:txBody>
       </p:sp>
@@ -5329,7 +5144,7 @@
               <a:buNone/>
             </a:pPr>
             <a:r>
-              <a:rPr lang="en-US" dirty="0" smtClean="0"/>
+              <a:rPr lang="en-US" dirty="0"/>
               <a:t>3) R={ A,B,C,D,E}</a:t>
             </a:r>
           </a:p>
@@ -5338,7 +5153,7 @@
               <a:buNone/>
             </a:pPr>
             <a:r>
-              <a:rPr lang="en-US" dirty="0" smtClean="0"/>
+              <a:rPr lang="en-US" dirty="0"/>
               <a:t>		FD={ A-&gt;D, BC-&gt;AD, C-&gt;B, E-&gt;A, E-&gt;D}</a:t>
             </a:r>
           </a:p>
@@ -5347,7 +5162,7 @@
               <a:buNone/>
             </a:pPr>
             <a:r>
-              <a:rPr lang="en-US" dirty="0" smtClean="0"/>
+              <a:rPr lang="en-US" dirty="0"/>
               <a:t>Step-2:</a:t>
             </a:r>
           </a:p>
@@ -5355,18 +5170,18 @@
             <a:pPr marL="514350" indent="-514350">
               <a:buNone/>
             </a:pPr>
-            <a:endParaRPr lang="en-US" dirty="0" smtClean="0"/>
-          </a:p>
-          <a:p>
-            <a:pPr marL="514350" indent="-514350">
-              <a:buNone/>
-            </a:pPr>
-            <a:r>
-              <a:rPr lang="en-US" dirty="0" smtClean="0"/>
+            <a:endParaRPr lang="en-US" dirty="0"/>
+          </a:p>
+          <a:p>
+            <a:pPr marL="514350" indent="-514350">
+              <a:buNone/>
+            </a:pPr>
+            <a:r>
+              <a:rPr lang="en-US" dirty="0"/>
               <a:t>BC-&gt;A============</a:t>
             </a:r>
             <a:r>
-              <a:rPr lang="en-US" dirty="0" smtClean="0">
+              <a:rPr lang="en-US" dirty="0">
                 <a:sym typeface="Wingdings" pitchFamily="2" charset="2"/>
               </a:rPr>
               <a:t> B+, C+</a:t>
@@ -5377,7 +5192,7 @@
               <a:buNone/>
             </a:pPr>
             <a:r>
-              <a:rPr lang="en-US" dirty="0" smtClean="0">
+              <a:rPr lang="en-US" dirty="0">
                 <a:sym typeface="Wingdings" pitchFamily="2" charset="2"/>
               </a:rPr>
               <a:t>B+={B}</a:t>
@@ -5388,7 +5203,7 @@
               <a:buNone/>
             </a:pPr>
             <a:r>
-              <a:rPr lang="en-US" dirty="0" smtClean="0">
+              <a:rPr lang="en-US" dirty="0">
                 <a:sym typeface="Wingdings" pitchFamily="2" charset="2"/>
               </a:rPr>
               <a:t>C+={C,B,A,D}</a:t>
@@ -5399,7 +5214,7 @@
               <a:buNone/>
             </a:pPr>
             <a:r>
-              <a:rPr lang="en-US" dirty="0" smtClean="0">
+              <a:rPr lang="en-US" dirty="0">
                 <a:sym typeface="Wingdings" pitchFamily="2" charset="2"/>
               </a:rPr>
               <a:t>So C-&gt;A</a:t>
@@ -5409,7 +5224,7 @@
             <a:pPr marL="514350" indent="-514350">
               <a:buNone/>
             </a:pPr>
-            <a:endParaRPr lang="en-US" dirty="0" smtClean="0">
+            <a:endParaRPr lang="en-US" dirty="0">
               <a:sym typeface="Wingdings" pitchFamily="2" charset="2"/>
             </a:endParaRPr>
           </a:p>
@@ -5420,13 +5235,6 @@
   <p:clrMapOvr>
     <a:masterClrMapping/>
   </p:clrMapOvr>
-  <p:timing>
-    <p:tnLst>
-      <p:par>
-        <p:cTn id="1" dur="indefinite" restart="never" nodeType="tmRoot"/>
-      </p:par>
-    </p:tnLst>
-  </p:timing>
 </p:sld>
 </file>
 
@@ -5465,10 +5273,9 @@
           <a:lstStyle/>
           <a:p>
             <a:r>
-              <a:rPr lang="en-US" dirty="0" smtClean="0"/>
+              <a:rPr lang="en-US" dirty="0"/>
               <a:t>Minimal cover on Functional Dependency- Problems</a:t>
             </a:r>
-            <a:endParaRPr lang="en-US" dirty="0"/>
           </a:p>
         </p:txBody>
       </p:sp>
@@ -5493,7 +5300,7 @@
               <a:buNone/>
             </a:pPr>
             <a:r>
-              <a:rPr lang="en-US" dirty="0" smtClean="0"/>
+              <a:rPr lang="en-US" dirty="0"/>
               <a:t>3) R={ A,B,C,D,E}</a:t>
             </a:r>
           </a:p>
@@ -5502,7 +5309,7 @@
               <a:buNone/>
             </a:pPr>
             <a:r>
-              <a:rPr lang="en-US" dirty="0" smtClean="0"/>
+              <a:rPr lang="en-US" dirty="0"/>
               <a:t>		FD={ A-&gt;D, BC-&gt;AD, C-&gt;B, E-&gt;A, E-&gt;D}</a:t>
             </a:r>
           </a:p>
@@ -5511,7 +5318,7 @@
               <a:buNone/>
             </a:pPr>
             <a:r>
-              <a:rPr lang="en-US" dirty="0" smtClean="0">
+              <a:rPr lang="en-US" dirty="0">
                 <a:solidFill>
                   <a:srgbClr val="FF0000"/>
                 </a:solidFill>
@@ -5524,11 +5331,11 @@
               <a:buNone/>
             </a:pPr>
             <a:r>
-              <a:rPr lang="en-US" dirty="0" smtClean="0"/>
+              <a:rPr lang="en-US" dirty="0"/>
               <a:t>BC-&gt;A============</a:t>
             </a:r>
             <a:r>
-              <a:rPr lang="en-US" dirty="0" smtClean="0">
+              <a:rPr lang="en-US" dirty="0">
                 <a:sym typeface="Wingdings" pitchFamily="2" charset="2"/>
               </a:rPr>
               <a:t> B+, C+</a:t>
@@ -5539,7 +5346,7 @@
               <a:buNone/>
             </a:pPr>
             <a:r>
-              <a:rPr lang="en-US" dirty="0" smtClean="0">
+              <a:rPr lang="en-US" dirty="0">
                 <a:sym typeface="Wingdings" pitchFamily="2" charset="2"/>
               </a:rPr>
               <a:t>B+={B}</a:t>
@@ -5550,7 +5357,7 @@
               <a:buNone/>
             </a:pPr>
             <a:r>
-              <a:rPr lang="en-US" dirty="0" smtClean="0">
+              <a:rPr lang="en-US" dirty="0">
                 <a:sym typeface="Wingdings" pitchFamily="2" charset="2"/>
               </a:rPr>
               <a:t>C+={C,B,A,D}</a:t>
@@ -5561,7 +5368,7 @@
               <a:buNone/>
             </a:pPr>
             <a:r>
-              <a:rPr lang="en-US" dirty="0" smtClean="0">
+              <a:rPr lang="en-US" dirty="0">
                 <a:sym typeface="Wingdings" pitchFamily="2" charset="2"/>
               </a:rPr>
               <a:t>So C-&gt;A</a:t>
@@ -5572,7 +5379,7 @@
               <a:buNone/>
             </a:pPr>
             <a:r>
-              <a:rPr lang="en-US" dirty="0" smtClean="0">
+              <a:rPr lang="en-US" dirty="0">
                 <a:sym typeface="Wingdings" pitchFamily="2" charset="2"/>
               </a:rPr>
               <a:t>Similarly , </a:t>
@@ -5583,11 +5390,11 @@
               <a:buNone/>
             </a:pPr>
             <a:r>
-              <a:rPr lang="en-US" dirty="0" smtClean="0"/>
+              <a:rPr lang="en-US" dirty="0"/>
               <a:t>BC-&gt;D============</a:t>
             </a:r>
             <a:r>
-              <a:rPr lang="en-US" dirty="0" smtClean="0">
+              <a:rPr lang="en-US" dirty="0">
                 <a:sym typeface="Wingdings" pitchFamily="2" charset="2"/>
               </a:rPr>
               <a:t> B+, C+</a:t>
@@ -5598,18 +5405,18 @@
               <a:buNone/>
             </a:pPr>
             <a:r>
-              <a:rPr lang="en-US" dirty="0" smtClean="0">
+              <a:rPr lang="en-US" dirty="0">
                 <a:sym typeface="Wingdings" pitchFamily="2" charset="2"/>
               </a:rPr>
               <a:t>So C-&gt;D</a:t>
             </a:r>
-            <a:endParaRPr lang="en-US" dirty="0" smtClean="0"/>
-          </a:p>
-          <a:p>
-            <a:pPr marL="514350" indent="-514350">
-              <a:buNone/>
-            </a:pPr>
-            <a:endParaRPr lang="en-US" dirty="0" smtClean="0">
+            <a:endParaRPr lang="en-US" dirty="0"/>
+          </a:p>
+          <a:p>
+            <a:pPr marL="514350" indent="-514350">
+              <a:buNone/>
+            </a:pPr>
+            <a:endParaRPr lang="en-US" dirty="0">
               <a:sym typeface="Wingdings" pitchFamily="2" charset="2"/>
             </a:endParaRPr>
           </a:p>
@@ -5617,7 +5424,7 @@
             <a:pPr marL="514350" indent="-514350">
               <a:buNone/>
             </a:pPr>
-            <a:endParaRPr lang="en-US" dirty="0" smtClean="0">
+            <a:endParaRPr lang="en-US" dirty="0">
               <a:sym typeface="Wingdings" pitchFamily="2" charset="2"/>
             </a:endParaRPr>
           </a:p>
@@ -5628,13 +5435,6 @@
   <p:clrMapOvr>
     <a:masterClrMapping/>
   </p:clrMapOvr>
-  <p:timing>
-    <p:tnLst>
-      <p:par>
-        <p:cTn id="1" dur="indefinite" restart="never" nodeType="tmRoot"/>
-      </p:par>
-    </p:tnLst>
-  </p:timing>
 </p:sld>
 </file>
 
@@ -5673,10 +5473,9 @@
           <a:lstStyle/>
           <a:p>
             <a:r>
-              <a:rPr lang="en-US" dirty="0" smtClean="0"/>
+              <a:rPr lang="en-US" dirty="0"/>
               <a:t>Minimal cover on Functional Dependency- Problems</a:t>
             </a:r>
-            <a:endParaRPr lang="en-US" dirty="0"/>
           </a:p>
         </p:txBody>
       </p:sp>
@@ -5701,7 +5500,7 @@
               <a:buNone/>
             </a:pPr>
             <a:r>
-              <a:rPr lang="en-US" dirty="0" smtClean="0"/>
+              <a:rPr lang="en-US" dirty="0"/>
               <a:t>3) R={ A,B,C,D,E}</a:t>
             </a:r>
           </a:p>
@@ -5710,7 +5509,7 @@
               <a:buNone/>
             </a:pPr>
             <a:r>
-              <a:rPr lang="en-US" dirty="0" smtClean="0"/>
+              <a:rPr lang="en-US" dirty="0"/>
               <a:t>		FD={ A-&gt;D, BC-&gt;AD, C-&gt;B, E-&gt;A, E-&gt;D}</a:t>
             </a:r>
           </a:p>
@@ -5719,7 +5518,7 @@
               <a:buNone/>
             </a:pPr>
             <a:r>
-              <a:rPr lang="en-US" dirty="0" smtClean="0">
+              <a:rPr lang="en-US" dirty="0">
                 <a:solidFill>
                   <a:srgbClr val="FF0000"/>
                 </a:solidFill>
@@ -5733,7 +5532,7 @@
               <a:buNone/>
             </a:pPr>
             <a:r>
-              <a:rPr lang="en-US" dirty="0" smtClean="0">
+              <a:rPr lang="en-US" dirty="0">
                 <a:sym typeface="Wingdings" pitchFamily="2" charset="2"/>
               </a:rPr>
               <a:t>A-&gt;D</a:t>
@@ -5744,7 +5543,7 @@
               <a:buNone/>
             </a:pPr>
             <a:r>
-              <a:rPr lang="en-US" dirty="0" smtClean="0">
+              <a:rPr lang="en-US" dirty="0">
                 <a:sym typeface="Wingdings" pitchFamily="2" charset="2"/>
               </a:rPr>
               <a:t>C-&gt;A</a:t>
@@ -5755,7 +5554,7 @@
               <a:buNone/>
             </a:pPr>
             <a:r>
-              <a:rPr lang="en-US" dirty="0" smtClean="0">
+              <a:rPr lang="en-US" dirty="0">
                 <a:sym typeface="Wingdings" pitchFamily="2" charset="2"/>
               </a:rPr>
               <a:t>C-&gt;D</a:t>
@@ -5766,7 +5565,7 @@
               <a:buNone/>
             </a:pPr>
             <a:r>
-              <a:rPr lang="en-US" dirty="0" smtClean="0">
+              <a:rPr lang="en-US" dirty="0">
                 <a:sym typeface="Wingdings" pitchFamily="2" charset="2"/>
               </a:rPr>
               <a:t>C-&gt;B</a:t>
@@ -5777,7 +5576,7 @@
               <a:buNone/>
             </a:pPr>
             <a:r>
-              <a:rPr lang="en-US" dirty="0" smtClean="0">
+              <a:rPr lang="en-US" dirty="0">
                 <a:sym typeface="Wingdings" pitchFamily="2" charset="2"/>
               </a:rPr>
               <a:t>E-&gt;A</a:t>
@@ -5788,7 +5587,7 @@
               <a:buNone/>
             </a:pPr>
             <a:r>
-              <a:rPr lang="en-US" dirty="0" smtClean="0">
+              <a:rPr lang="en-US" dirty="0">
                 <a:sym typeface="Wingdings" pitchFamily="2" charset="2"/>
               </a:rPr>
               <a:t>E-&gt;D</a:t>
@@ -5801,13 +5600,6 @@
   <p:clrMapOvr>
     <a:masterClrMapping/>
   </p:clrMapOvr>
-  <p:timing>
-    <p:tnLst>
-      <p:par>
-        <p:cTn id="1" dur="indefinite" restart="never" nodeType="tmRoot"/>
-      </p:par>
-    </p:tnLst>
-  </p:timing>
 </p:sld>
 </file>
 
@@ -5846,10 +5638,9 @@
           <a:lstStyle/>
           <a:p>
             <a:r>
-              <a:rPr lang="en-US" dirty="0" smtClean="0"/>
+              <a:rPr lang="en-US" dirty="0"/>
               <a:t>Minimal cover on Functional Dependency- Problems</a:t>
             </a:r>
-            <a:endParaRPr lang="en-US" dirty="0"/>
           </a:p>
         </p:txBody>
       </p:sp>
@@ -5874,7 +5665,7 @@
               <a:buNone/>
             </a:pPr>
             <a:r>
-              <a:rPr lang="en-US" dirty="0" smtClean="0"/>
+              <a:rPr lang="en-US" dirty="0"/>
               <a:t>3) R={ A,B,C,D,E}</a:t>
             </a:r>
           </a:p>
@@ -5883,7 +5674,7 @@
               <a:buNone/>
             </a:pPr>
             <a:r>
-              <a:rPr lang="en-US" dirty="0" smtClean="0"/>
+              <a:rPr lang="en-US" dirty="0"/>
               <a:t>		FD={ A-&gt;D, BC-&gt;AD, C-&gt;B, E-&gt;A, E-&gt;D}</a:t>
             </a:r>
           </a:p>
@@ -5892,7 +5683,7 @@
               <a:buNone/>
             </a:pPr>
             <a:r>
-              <a:rPr lang="en-US" dirty="0" smtClean="0">
+              <a:rPr lang="en-US" dirty="0">
                 <a:solidFill>
                   <a:srgbClr val="FF0000"/>
                 </a:solidFill>
@@ -5906,7 +5697,7 @@
               <a:buNone/>
             </a:pPr>
             <a:r>
-              <a:rPr lang="en-US" dirty="0" smtClean="0">
+              <a:rPr lang="en-US" dirty="0">
                 <a:sym typeface="Wingdings" pitchFamily="2" charset="2"/>
               </a:rPr>
               <a:t>	A-&gt;D</a:t>
@@ -5917,7 +5708,7 @@
               <a:buNone/>
             </a:pPr>
             <a:r>
-              <a:rPr lang="en-US" dirty="0" smtClean="0">
+              <a:rPr lang="en-US" dirty="0">
                 <a:sym typeface="Wingdings" pitchFamily="2" charset="2"/>
               </a:rPr>
               <a:t>	C-&gt;A</a:t>
@@ -5928,7 +5719,7 @@
               <a:buNone/>
             </a:pPr>
             <a:r>
-              <a:rPr lang="en-US" dirty="0" smtClean="0">
+              <a:rPr lang="en-US" dirty="0">
                 <a:solidFill>
                   <a:srgbClr val="FF0000"/>
                 </a:solidFill>
@@ -5942,7 +5733,7 @@
               <a:buNone/>
             </a:pPr>
             <a:r>
-              <a:rPr lang="en-US" dirty="0" smtClean="0">
+              <a:rPr lang="en-US" dirty="0">
                 <a:sym typeface="Wingdings" pitchFamily="2" charset="2"/>
               </a:rPr>
               <a:t>	C-&gt;B</a:t>
@@ -5953,7 +5744,7 @@
               <a:buNone/>
             </a:pPr>
             <a:r>
-              <a:rPr lang="en-US" dirty="0" smtClean="0">
+              <a:rPr lang="en-US" dirty="0">
                 <a:sym typeface="Wingdings" pitchFamily="2" charset="2"/>
               </a:rPr>
               <a:t>	E-&gt;A</a:t>
@@ -5964,7 +5755,7 @@
               <a:buNone/>
             </a:pPr>
             <a:r>
-              <a:rPr lang="en-US" dirty="0" smtClean="0">
+              <a:rPr lang="en-US" dirty="0">
                 <a:solidFill>
                   <a:srgbClr val="FF0000"/>
                 </a:solidFill>
@@ -5980,13 +5771,6 @@
   <p:clrMapOvr>
     <a:masterClrMapping/>
   </p:clrMapOvr>
-  <p:timing>
-    <p:tnLst>
-      <p:par>
-        <p:cTn id="1" dur="indefinite" restart="never" nodeType="tmRoot"/>
-      </p:par>
-    </p:tnLst>
-  </p:timing>
 </p:sld>
 </file>
 
@@ -6025,10 +5809,9 @@
           <a:lstStyle/>
           <a:p>
             <a:r>
-              <a:rPr lang="en-US" dirty="0" smtClean="0"/>
+              <a:rPr lang="en-US" dirty="0"/>
               <a:t>Minimal cover on Functional Dependency- Problems</a:t>
             </a:r>
-            <a:endParaRPr lang="en-US" dirty="0"/>
           </a:p>
         </p:txBody>
       </p:sp>
@@ -6053,13 +5836,13 @@
               <a:buNone/>
             </a:pPr>
             <a:r>
-              <a:rPr lang="en-US" dirty="0" smtClean="0">
+              <a:rPr lang="en-US" dirty="0">
                 <a:sym typeface="Wingdings" pitchFamily="2" charset="2"/>
               </a:rPr>
               <a:t>4) </a:t>
             </a:r>
             <a:r>
-              <a:rPr lang="en-US" dirty="0" smtClean="0"/>
+              <a:rPr lang="en-US" dirty="0"/>
               <a:t>F={BC-&gt;ADEF,F-&gt;DE}</a:t>
             </a:r>
           </a:p>
@@ -6067,7 +5850,7 @@
             <a:pPr marL="514350" indent="-514350">
               <a:buNone/>
             </a:pPr>
-            <a:endParaRPr lang="en-US" dirty="0" smtClean="0">
+            <a:endParaRPr lang="en-US" dirty="0">
               <a:sym typeface="Wingdings" pitchFamily="2" charset="2"/>
             </a:endParaRPr>
           </a:p>
@@ -6078,13 +5861,6 @@
   <p:clrMapOvr>
     <a:masterClrMapping/>
   </p:clrMapOvr>
-  <p:timing>
-    <p:tnLst>
-      <p:par>
-        <p:cTn id="1" dur="indefinite" restart="never" nodeType="tmRoot"/>
-      </p:par>
-    </p:tnLst>
-  </p:timing>
 </p:sld>
 </file>
 
@@ -6123,10 +5899,9 @@
           <a:lstStyle/>
           <a:p>
             <a:r>
-              <a:rPr lang="en-US" dirty="0" smtClean="0"/>
+              <a:rPr lang="en-US" dirty="0"/>
               <a:t>Equivalence of Functional Dependencies</a:t>
             </a:r>
-            <a:endParaRPr lang="en-US" dirty="0"/>
           </a:p>
         </p:txBody>
       </p:sp>
@@ -6149,7 +5924,7 @@
           <a:p>
             <a:pPr marL="514350" indent="-514350"/>
             <a:r>
-              <a:rPr lang="en-US" dirty="0" smtClean="0">
+              <a:rPr lang="en-US" dirty="0">
                 <a:sym typeface="Wingdings" pitchFamily="2" charset="2"/>
               </a:rPr>
               <a:t>F and G are two functional dependencies then</a:t>
@@ -6160,7 +5935,7 @@
               <a:buNone/>
             </a:pPr>
             <a:r>
-              <a:rPr lang="en-US" dirty="0" smtClean="0">
+              <a:rPr lang="en-US" dirty="0">
                 <a:sym typeface="Wingdings" pitchFamily="2" charset="2"/>
               </a:rPr>
               <a:t>	G is a subset of F+  i.e. F covers G</a:t>
@@ -6171,7 +5946,7 @@
               <a:buNone/>
             </a:pPr>
             <a:r>
-              <a:rPr lang="en-US" dirty="0" smtClean="0">
+              <a:rPr lang="en-US" dirty="0">
                 <a:sym typeface="Wingdings" pitchFamily="2" charset="2"/>
               </a:rPr>
               <a:t>	F is a subset of G+  i.e. G covers F</a:t>
@@ -6182,7 +5957,7 @@
               <a:buNone/>
             </a:pPr>
             <a:r>
-              <a:rPr lang="en-US" dirty="0" smtClean="0">
+              <a:rPr lang="en-US" dirty="0">
                 <a:sym typeface="Wingdings" pitchFamily="2" charset="2"/>
               </a:rPr>
               <a:t> i.e. F+ = G+</a:t>
@@ -6195,13 +5970,6 @@
   <p:clrMapOvr>
     <a:masterClrMapping/>
   </p:clrMapOvr>
-  <p:timing>
-    <p:tnLst>
-      <p:par>
-        <p:cTn id="1" dur="indefinite" restart="never" nodeType="tmRoot"/>
-      </p:par>
-    </p:tnLst>
-  </p:timing>
 </p:sld>
 </file>
 
@@ -6240,10 +6008,9 @@
           <a:lstStyle/>
           <a:p>
             <a:r>
-              <a:rPr lang="en-US" dirty="0" smtClean="0"/>
+              <a:rPr lang="en-US" dirty="0"/>
               <a:t>Equivalence of Functional Dependencies</a:t>
             </a:r>
-            <a:endParaRPr lang="en-US" dirty="0"/>
           </a:p>
         </p:txBody>
       </p:sp>
@@ -6268,7 +6035,7 @@
               <a:buNone/>
             </a:pPr>
             <a:r>
-              <a:rPr lang="en-US" dirty="0" smtClean="0">
+              <a:rPr lang="en-US" dirty="0">
                 <a:sym typeface="Wingdings" pitchFamily="2" charset="2"/>
               </a:rPr>
               <a:t>1)	R	= { A, B, C}</a:t>
@@ -6279,7 +6046,7 @@
               <a:buNone/>
             </a:pPr>
             <a:r>
-              <a:rPr lang="en-US" dirty="0" smtClean="0">
+              <a:rPr lang="en-US" dirty="0">
                 <a:sym typeface="Wingdings" pitchFamily="2" charset="2"/>
               </a:rPr>
               <a:t>	F={ A-&gt;B, B-&gt;C, C-&gt;A}</a:t>
@@ -6290,7 +6057,7 @@
               <a:buNone/>
             </a:pPr>
             <a:r>
-              <a:rPr lang="en-US" dirty="0" smtClean="0">
+              <a:rPr lang="en-US" dirty="0">
                 <a:sym typeface="Wingdings" pitchFamily="2" charset="2"/>
               </a:rPr>
               <a:t>	G={ C-&gt;B, B-&gt;A, A-&gt;C}</a:t>
@@ -6301,7 +6068,7 @@
               <a:buNone/>
             </a:pPr>
             <a:r>
-              <a:rPr lang="en-US" dirty="0" smtClean="0">
+              <a:rPr lang="en-US" dirty="0">
                 <a:sym typeface="Wingdings" pitchFamily="2" charset="2"/>
               </a:rPr>
               <a:t>Check F and G are equivalent</a:t>
@@ -6311,7 +6078,7 @@
             <a:pPr marL="514350" indent="-514350">
               <a:buNone/>
             </a:pPr>
-            <a:endParaRPr lang="en-US" dirty="0" smtClean="0">
+            <a:endParaRPr lang="en-US" dirty="0">
               <a:sym typeface="Wingdings" pitchFamily="2" charset="2"/>
             </a:endParaRPr>
           </a:p>
@@ -6320,7 +6087,7 @@
               <a:buNone/>
             </a:pPr>
             <a:r>
-              <a:rPr lang="en-US" dirty="0" smtClean="0">
+              <a:rPr lang="en-US" dirty="0">
                 <a:sym typeface="Wingdings" pitchFamily="2" charset="2"/>
               </a:rPr>
               <a:t>	</a:t>
@@ -6333,13 +6100,6 @@
   <p:clrMapOvr>
     <a:masterClrMapping/>
   </p:clrMapOvr>
-  <p:timing>
-    <p:tnLst>
-      <p:par>
-        <p:cTn id="1" dur="indefinite" restart="never" nodeType="tmRoot"/>
-      </p:par>
-    </p:tnLst>
-  </p:timing>
 </p:sld>
 </file>
 
@@ -6376,10 +6136,9 @@
           <a:lstStyle/>
           <a:p>
             <a:r>
-              <a:rPr lang="en-US" dirty="0" smtClean="0"/>
+              <a:rPr lang="en-US" dirty="0"/>
               <a:t>Closure</a:t>
             </a:r>
-            <a:endParaRPr lang="en-US" dirty="0"/>
           </a:p>
         </p:txBody>
       </p:sp>
@@ -6404,7 +6163,7 @@
               <a:buNone/>
             </a:pPr>
             <a:r>
-              <a:rPr lang="en-US" dirty="0" smtClean="0"/>
+              <a:rPr lang="en-US" dirty="0"/>
               <a:t>1.A→B</a:t>
             </a:r>
           </a:p>
@@ -6413,7 +6172,7 @@
               <a:buNone/>
             </a:pPr>
             <a:r>
-              <a:rPr lang="en-US" dirty="0" smtClean="0"/>
+              <a:rPr lang="en-US" dirty="0"/>
               <a:t>2.B→C</a:t>
             </a:r>
           </a:p>
@@ -6422,7 +6181,7 @@
               <a:buNone/>
             </a:pPr>
             <a:r>
-              <a:rPr lang="en-US" dirty="0" smtClean="0"/>
+              <a:rPr lang="en-US" dirty="0"/>
               <a:t>3.BC→D</a:t>
             </a:r>
           </a:p>
@@ -6430,14 +6189,14 @@
             <a:pPr>
               <a:buNone/>
             </a:pPr>
-            <a:endParaRPr lang="en-US" dirty="0" smtClean="0"/>
+            <a:endParaRPr lang="en-US" dirty="0"/>
           </a:p>
           <a:p>
             <a:pPr>
               <a:buNone/>
             </a:pPr>
             <a:r>
-              <a:rPr lang="en-US" dirty="0" smtClean="0"/>
+              <a:rPr lang="en-US" dirty="0"/>
               <a:t>A+= 	A (step 1)</a:t>
             </a:r>
           </a:p>
@@ -6446,7 +6205,7 @@
               <a:buNone/>
             </a:pPr>
             <a:r>
-              <a:rPr lang="en-US" dirty="0" smtClean="0"/>
+              <a:rPr lang="en-US" dirty="0"/>
               <a:t>		AB (step 2)</a:t>
             </a:r>
           </a:p>
@@ -6455,7 +6214,7 @@
               <a:buNone/>
             </a:pPr>
             <a:r>
-              <a:rPr lang="en-US" dirty="0" smtClean="0"/>
+              <a:rPr lang="en-US" dirty="0"/>
               <a:t>		ABC (step 3)</a:t>
             </a:r>
           </a:p>
@@ -6464,7 +6223,7 @@
               <a:buNone/>
             </a:pPr>
             <a:r>
-              <a:rPr lang="en-US" dirty="0" smtClean="0"/>
+              <a:rPr lang="en-US" dirty="0"/>
               <a:t>		ABCD		</a:t>
             </a:r>
           </a:p>
@@ -6481,13 +6240,6 @@
   <p:clrMapOvr>
     <a:masterClrMapping/>
   </p:clrMapOvr>
-  <p:timing>
-    <p:tnLst>
-      <p:par>
-        <p:cTn id="1" dur="indefinite" restart="never" nodeType="tmRoot"/>
-      </p:par>
-    </p:tnLst>
-  </p:timing>
 </p:sld>
 </file>
 
@@ -6526,10 +6278,9 @@
           <a:lstStyle/>
           <a:p>
             <a:r>
-              <a:rPr lang="en-US" dirty="0" smtClean="0"/>
+              <a:rPr lang="en-US" dirty="0"/>
               <a:t>Equivalence of Functional Dependencies</a:t>
             </a:r>
-            <a:endParaRPr lang="en-US" dirty="0"/>
           </a:p>
         </p:txBody>
       </p:sp>
@@ -6554,7 +6305,7 @@
               <a:buNone/>
             </a:pPr>
             <a:r>
-              <a:rPr lang="en-US" dirty="0" smtClean="0">
+              <a:rPr lang="en-US" dirty="0">
                 <a:sym typeface="Wingdings" pitchFamily="2" charset="2"/>
               </a:rPr>
               <a:t>1)	R	= { A, B, C}</a:t>
@@ -6565,7 +6316,7 @@
               <a:buNone/>
             </a:pPr>
             <a:r>
-              <a:rPr lang="en-US" dirty="0" smtClean="0">
+              <a:rPr lang="en-US" dirty="0">
                 <a:sym typeface="Wingdings" pitchFamily="2" charset="2"/>
               </a:rPr>
               <a:t>	F={ A-&gt;B, B-&gt;C, C-&gt;A}</a:t>
@@ -6576,7 +6327,7 @@
               <a:buNone/>
             </a:pPr>
             <a:r>
-              <a:rPr lang="en-US" dirty="0" smtClean="0">
+              <a:rPr lang="en-US" dirty="0">
                 <a:sym typeface="Wingdings" pitchFamily="2" charset="2"/>
               </a:rPr>
               <a:t>	G={ C-&gt;B, B-&gt;A, A-&gt;C}</a:t>
@@ -6587,7 +6338,7 @@
               <a:buNone/>
             </a:pPr>
             <a:r>
-              <a:rPr lang="en-US" dirty="0" smtClean="0">
+              <a:rPr lang="en-US" dirty="0">
                 <a:sym typeface="Wingdings" pitchFamily="2" charset="2"/>
               </a:rPr>
               <a:t>Check F and G are equivalent</a:t>
@@ -6598,7 +6349,7 @@
               <a:buNone/>
             </a:pPr>
             <a:r>
-              <a:rPr lang="en-US" dirty="0" smtClean="0">
+              <a:rPr lang="en-US" dirty="0">
                 <a:sym typeface="Wingdings" pitchFamily="2" charset="2"/>
               </a:rPr>
               <a:t>If F covers G:</a:t>
@@ -6609,7 +6360,7 @@
               <a:buNone/>
             </a:pPr>
             <a:r>
-              <a:rPr lang="en-US" dirty="0" smtClean="0">
+              <a:rPr lang="en-US" dirty="0">
                 <a:sym typeface="Wingdings" pitchFamily="2" charset="2"/>
               </a:rPr>
               <a:t>	Take C-&gt;B in G</a:t>
@@ -6620,19 +6371,19 @@
               <a:buNone/>
             </a:pPr>
             <a:r>
-              <a:rPr lang="en-US" dirty="0" smtClean="0">
+              <a:rPr lang="en-US" dirty="0">
                 <a:sym typeface="Wingdings" pitchFamily="2" charset="2"/>
               </a:rPr>
               <a:t>	C</a:t>
             </a:r>
             <a:r>
-              <a:rPr lang="en-US" sz="1900" dirty="0" smtClean="0">
+              <a:rPr lang="en-US" sz="1900" dirty="0">
                 <a:sym typeface="Wingdings" pitchFamily="2" charset="2"/>
               </a:rPr>
               <a:t>F</a:t>
             </a:r>
             <a:r>
-              <a:rPr lang="en-US" dirty="0" smtClean="0">
+              <a:rPr lang="en-US" dirty="0">
                 <a:sym typeface="Wingdings" pitchFamily="2" charset="2"/>
               </a:rPr>
               <a:t>+ = { C, A, B } </a:t>
@@ -6643,19 +6394,19 @@
               <a:buNone/>
             </a:pPr>
             <a:r>
-              <a:rPr lang="en-US" dirty="0" smtClean="0">
+              <a:rPr lang="en-US" dirty="0">
                 <a:sym typeface="Wingdings" pitchFamily="2" charset="2"/>
               </a:rPr>
               <a:t>	 B</a:t>
             </a:r>
             <a:r>
-              <a:rPr lang="en-US" sz="1900" dirty="0" smtClean="0">
+              <a:rPr lang="en-US" sz="1900" dirty="0">
                 <a:sym typeface="Wingdings" pitchFamily="2" charset="2"/>
               </a:rPr>
               <a:t>F</a:t>
             </a:r>
             <a:r>
-              <a:rPr lang="en-US" dirty="0" smtClean="0">
+              <a:rPr lang="en-US" dirty="0">
                 <a:sym typeface="Wingdings" pitchFamily="2" charset="2"/>
               </a:rPr>
               <a:t>+ = {B, C, A } </a:t>
@@ -6666,19 +6417,19 @@
               <a:buNone/>
             </a:pPr>
             <a:r>
-              <a:rPr lang="en-US" dirty="0" smtClean="0">
+              <a:rPr lang="en-US" dirty="0">
                 <a:sym typeface="Wingdings" pitchFamily="2" charset="2"/>
               </a:rPr>
               <a:t>	A</a:t>
             </a:r>
             <a:r>
-              <a:rPr lang="en-US" sz="1900" dirty="0" smtClean="0">
+              <a:rPr lang="en-US" sz="1900" dirty="0">
                 <a:sym typeface="Wingdings" pitchFamily="2" charset="2"/>
               </a:rPr>
               <a:t>F</a:t>
             </a:r>
             <a:r>
-              <a:rPr lang="en-US" dirty="0" smtClean="0">
+              <a:rPr lang="en-US" dirty="0">
                 <a:sym typeface="Wingdings" pitchFamily="2" charset="2"/>
               </a:rPr>
               <a:t>+ = { A, B, C }</a:t>
@@ -6691,13 +6442,6 @@
   <p:clrMapOvr>
     <a:masterClrMapping/>
   </p:clrMapOvr>
-  <p:timing>
-    <p:tnLst>
-      <p:par>
-        <p:cTn id="1" dur="indefinite" restart="never" nodeType="tmRoot"/>
-      </p:par>
-    </p:tnLst>
-  </p:timing>
 </p:sld>
 </file>
 
@@ -6736,10 +6480,9 @@
           <a:lstStyle/>
           <a:p>
             <a:r>
-              <a:rPr lang="en-US" dirty="0" smtClean="0"/>
+              <a:rPr lang="en-US" dirty="0"/>
               <a:t>Equivalence of Functional Dependencies</a:t>
             </a:r>
-            <a:endParaRPr lang="en-US" dirty="0"/>
           </a:p>
         </p:txBody>
       </p:sp>
@@ -6764,7 +6507,7 @@
               <a:buNone/>
             </a:pPr>
             <a:r>
-              <a:rPr lang="en-US" dirty="0" smtClean="0">
+              <a:rPr lang="en-US" dirty="0">
                 <a:sym typeface="Wingdings" pitchFamily="2" charset="2"/>
               </a:rPr>
               <a:t>1)	R	= { A, B, C}</a:t>
@@ -6775,7 +6518,7 @@
               <a:buNone/>
             </a:pPr>
             <a:r>
-              <a:rPr lang="en-US" dirty="0" smtClean="0">
+              <a:rPr lang="en-US" dirty="0">
                 <a:sym typeface="Wingdings" pitchFamily="2" charset="2"/>
               </a:rPr>
               <a:t>	F={ A-&gt;B, B-&gt;C, C-&gt;A}</a:t>
@@ -6786,7 +6529,7 @@
               <a:buNone/>
             </a:pPr>
             <a:r>
-              <a:rPr lang="en-US" dirty="0" smtClean="0">
+              <a:rPr lang="en-US" dirty="0">
                 <a:sym typeface="Wingdings" pitchFamily="2" charset="2"/>
               </a:rPr>
               <a:t>	G={ C-&gt;B, B-&gt;A, A-&gt;C}</a:t>
@@ -6797,7 +6540,7 @@
               <a:buNone/>
             </a:pPr>
             <a:r>
-              <a:rPr lang="en-US" dirty="0" smtClean="0">
+              <a:rPr lang="en-US" dirty="0">
                 <a:sym typeface="Wingdings" pitchFamily="2" charset="2"/>
               </a:rPr>
               <a:t>Check F and G are equivalent</a:t>
@@ -6808,7 +6551,7 @@
               <a:buNone/>
             </a:pPr>
             <a:r>
-              <a:rPr lang="en-US" dirty="0" smtClean="0">
+              <a:rPr lang="en-US" dirty="0">
                 <a:sym typeface="Wingdings" pitchFamily="2" charset="2"/>
               </a:rPr>
               <a:t>If G covers F:</a:t>
@@ -6819,7 +6562,7 @@
               <a:buNone/>
             </a:pPr>
             <a:r>
-              <a:rPr lang="en-US" dirty="0" smtClean="0">
+              <a:rPr lang="en-US" dirty="0">
                 <a:sym typeface="Wingdings" pitchFamily="2" charset="2"/>
               </a:rPr>
               <a:t>	Take A-&gt;B in F</a:t>
@@ -6830,19 +6573,19 @@
               <a:buNone/>
             </a:pPr>
             <a:r>
-              <a:rPr lang="en-US" dirty="0" smtClean="0">
+              <a:rPr lang="en-US" dirty="0">
                 <a:sym typeface="Wingdings" pitchFamily="2" charset="2"/>
               </a:rPr>
               <a:t>	A</a:t>
             </a:r>
             <a:r>
-              <a:rPr lang="en-US" sz="1900" dirty="0" smtClean="0">
+              <a:rPr lang="en-US" sz="1900" dirty="0">
                 <a:sym typeface="Wingdings" pitchFamily="2" charset="2"/>
               </a:rPr>
               <a:t>G</a:t>
             </a:r>
             <a:r>
-              <a:rPr lang="en-US" dirty="0" smtClean="0">
+              <a:rPr lang="en-US" dirty="0">
                 <a:sym typeface="Wingdings" pitchFamily="2" charset="2"/>
               </a:rPr>
               <a:t>+ = {        } </a:t>
@@ -6853,19 +6596,19 @@
               <a:buNone/>
             </a:pPr>
             <a:r>
-              <a:rPr lang="en-US" dirty="0" smtClean="0">
+              <a:rPr lang="en-US" dirty="0">
                 <a:sym typeface="Wingdings" pitchFamily="2" charset="2"/>
               </a:rPr>
               <a:t>	 B</a:t>
             </a:r>
             <a:r>
-              <a:rPr lang="en-US" sz="1900" dirty="0" smtClean="0">
+              <a:rPr lang="en-US" sz="1900" dirty="0">
                 <a:sym typeface="Wingdings" pitchFamily="2" charset="2"/>
               </a:rPr>
               <a:t>G</a:t>
             </a:r>
             <a:r>
-              <a:rPr lang="en-US" dirty="0" smtClean="0">
+              <a:rPr lang="en-US" dirty="0">
                 <a:sym typeface="Wingdings" pitchFamily="2" charset="2"/>
               </a:rPr>
               <a:t>+ = {       } </a:t>
@@ -6876,19 +6619,19 @@
               <a:buNone/>
             </a:pPr>
             <a:r>
-              <a:rPr lang="en-US" dirty="0" smtClean="0">
+              <a:rPr lang="en-US" dirty="0">
                 <a:sym typeface="Wingdings" pitchFamily="2" charset="2"/>
               </a:rPr>
               <a:t>	C</a:t>
             </a:r>
             <a:r>
-              <a:rPr lang="en-US" sz="1900" dirty="0" smtClean="0">
+              <a:rPr lang="en-US" sz="1900" dirty="0">
                 <a:sym typeface="Wingdings" pitchFamily="2" charset="2"/>
               </a:rPr>
               <a:t>G</a:t>
             </a:r>
             <a:r>
-              <a:rPr lang="en-US" dirty="0" smtClean="0">
+              <a:rPr lang="en-US" dirty="0">
                 <a:sym typeface="Wingdings" pitchFamily="2" charset="2"/>
               </a:rPr>
               <a:t>+ = {       }</a:t>
@@ -6901,13 +6644,6 @@
   <p:clrMapOvr>
     <a:masterClrMapping/>
   </p:clrMapOvr>
-  <p:timing>
-    <p:tnLst>
-      <p:par>
-        <p:cTn id="1" dur="indefinite" restart="never" nodeType="tmRoot"/>
-      </p:par>
-    </p:tnLst>
-  </p:timing>
 </p:sld>
 </file>
 
@@ -6946,10 +6682,9 @@
           <a:lstStyle/>
           <a:p>
             <a:r>
-              <a:rPr lang="en-US" dirty="0" smtClean="0"/>
+              <a:rPr lang="en-US" dirty="0"/>
               <a:t>Equivalence of Functional Dependencies</a:t>
             </a:r>
-            <a:endParaRPr lang="en-US" dirty="0"/>
           </a:p>
         </p:txBody>
       </p:sp>
@@ -6972,7 +6707,7 @@
               <a:buNone/>
             </a:pPr>
             <a:r>
-              <a:rPr lang="en-US" dirty="0" smtClean="0">
+              <a:rPr lang="en-US" dirty="0">
                 <a:latin typeface="Times New Roman" pitchFamily="18" charset="0"/>
                 <a:cs typeface="Times New Roman" pitchFamily="18" charset="0"/>
               </a:rPr>
@@ -6984,7 +6719,7 @@
               <a:buNone/>
             </a:pPr>
             <a:r>
-              <a:rPr lang="en-US" dirty="0" smtClean="0">
+              <a:rPr lang="en-US" dirty="0">
                 <a:latin typeface="Times New Roman" pitchFamily="18" charset="0"/>
                 <a:cs typeface="Times New Roman" pitchFamily="18" charset="0"/>
               </a:rPr>
@@ -7004,13 +6739,6 @@
   <p:clrMapOvr>
     <a:masterClrMapping/>
   </p:clrMapOvr>
-  <p:timing>
-    <p:tnLst>
-      <p:par>
-        <p:cTn id="1" dur="indefinite" restart="never" nodeType="tmRoot"/>
-      </p:par>
-    </p:tnLst>
-  </p:timing>
 </p:sld>
 </file>
 
@@ -7047,10 +6775,9 @@
           <a:lstStyle/>
           <a:p>
             <a:r>
-              <a:rPr lang="en-US" dirty="0" smtClean="0"/>
+              <a:rPr lang="en-US" dirty="0"/>
               <a:t>Closure</a:t>
             </a:r>
-            <a:endParaRPr lang="en-US" dirty="0"/>
           </a:p>
         </p:txBody>
       </p:sp>
@@ -7075,7 +6802,7 @@
               <a:buNone/>
             </a:pPr>
             <a:r>
-              <a:rPr lang="en-US" dirty="0" smtClean="0"/>
+              <a:rPr lang="en-US" dirty="0"/>
               <a:t>R={A,B,C,D,E}</a:t>
             </a:r>
           </a:p>
@@ -7084,7 +6811,7 @@
               <a:buNone/>
             </a:pPr>
             <a:r>
-              <a:rPr lang="en-US" dirty="0" smtClean="0"/>
+              <a:rPr lang="en-US" dirty="0"/>
               <a:t>FD={ A-&gt;BC, B-&gt;D, CD-&gt;E, E-&gt;A}</a:t>
             </a:r>
           </a:p>
@@ -7093,7 +6820,7 @@
               <a:buNone/>
             </a:pPr>
             <a:r>
-              <a:rPr lang="en-US" dirty="0" smtClean="0"/>
+              <a:rPr lang="en-US" dirty="0"/>
               <a:t>A+ = 	A</a:t>
             </a:r>
           </a:p>
@@ -7102,7 +6829,7 @@
               <a:buNone/>
             </a:pPr>
             <a:r>
-              <a:rPr lang="en-US" dirty="0" smtClean="0"/>
+              <a:rPr lang="en-US" dirty="0"/>
               <a:t>		ABC</a:t>
             </a:r>
           </a:p>
@@ -7111,7 +6838,7 @@
               <a:buNone/>
             </a:pPr>
             <a:r>
-              <a:rPr lang="en-US" dirty="0" smtClean="0"/>
+              <a:rPr lang="en-US" dirty="0"/>
               <a:t>		ABCD</a:t>
             </a:r>
           </a:p>
@@ -7120,7 +6847,7 @@
               <a:buNone/>
             </a:pPr>
             <a:r>
-              <a:rPr lang="en-US" dirty="0" smtClean="0"/>
+              <a:rPr lang="en-US" dirty="0"/>
               <a:t>		ABCDE</a:t>
             </a:r>
           </a:p>
@@ -7128,7 +6855,7 @@
             <a:pPr>
               <a:buNone/>
             </a:pPr>
-            <a:endParaRPr lang="en-US" dirty="0" smtClean="0"/>
+            <a:endParaRPr lang="en-US" dirty="0"/>
           </a:p>
           <a:p>
             <a:pPr>
@@ -7143,13 +6870,6 @@
   <p:clrMapOvr>
     <a:masterClrMapping/>
   </p:clrMapOvr>
-  <p:timing>
-    <p:tnLst>
-      <p:par>
-        <p:cTn id="1" dur="indefinite" restart="never" nodeType="tmRoot"/>
-      </p:par>
-    </p:tnLst>
-  </p:timing>
 </p:sld>
 </file>
 
@@ -7186,10 +6906,9 @@
           <a:lstStyle/>
           <a:p>
             <a:r>
-              <a:rPr lang="en-US" dirty="0" smtClean="0"/>
+              <a:rPr lang="en-US" dirty="0"/>
               <a:t>Closure</a:t>
             </a:r>
-            <a:endParaRPr lang="en-US" dirty="0"/>
           </a:p>
         </p:txBody>
       </p:sp>
@@ -7214,7 +6933,7 @@
               <a:buNone/>
             </a:pPr>
             <a:r>
-              <a:rPr lang="en-US" dirty="0" smtClean="0"/>
+              <a:rPr lang="en-US" dirty="0"/>
               <a:t>R={A,B,C,D,E}</a:t>
             </a:r>
           </a:p>
@@ -7223,7 +6942,7 @@
               <a:buNone/>
             </a:pPr>
             <a:r>
-              <a:rPr lang="en-US" dirty="0" smtClean="0"/>
+              <a:rPr lang="en-US" dirty="0"/>
               <a:t>FD={ A-&gt;BC, B-&gt;D, CD-&gt;E, E-&gt;A}</a:t>
             </a:r>
           </a:p>
@@ -7232,7 +6951,7 @@
               <a:buNone/>
             </a:pPr>
             <a:r>
-              <a:rPr lang="en-US" dirty="0" smtClean="0"/>
+              <a:rPr lang="en-US" dirty="0"/>
               <a:t>B+ = 	B</a:t>
             </a:r>
           </a:p>
@@ -7241,7 +6960,7 @@
               <a:buNone/>
             </a:pPr>
             <a:r>
-              <a:rPr lang="en-US" dirty="0" smtClean="0"/>
+              <a:rPr lang="en-US" dirty="0"/>
               <a:t>		DB</a:t>
             </a:r>
           </a:p>
@@ -7258,13 +6977,6 @@
   <p:clrMapOvr>
     <a:masterClrMapping/>
   </p:clrMapOvr>
-  <p:timing>
-    <p:tnLst>
-      <p:par>
-        <p:cTn id="1" dur="indefinite" restart="never" nodeType="tmRoot"/>
-      </p:par>
-    </p:tnLst>
-  </p:timing>
 </p:sld>
 </file>
 
@@ -7301,10 +7013,9 @@
           <a:lstStyle/>
           <a:p>
             <a:r>
-              <a:rPr lang="en-US" dirty="0" smtClean="0"/>
+              <a:rPr lang="en-US" dirty="0"/>
               <a:t>Closure</a:t>
             </a:r>
-            <a:endParaRPr lang="en-US" dirty="0"/>
           </a:p>
         </p:txBody>
       </p:sp>
@@ -7329,7 +7040,7 @@
               <a:buNone/>
             </a:pPr>
             <a:r>
-              <a:rPr lang="en-US" dirty="0" smtClean="0"/>
+              <a:rPr lang="en-US" dirty="0"/>
               <a:t>R={A,B,C,D,E}</a:t>
             </a:r>
           </a:p>
@@ -7338,7 +7049,7 @@
               <a:buNone/>
             </a:pPr>
             <a:r>
-              <a:rPr lang="en-US" dirty="0" smtClean="0"/>
+              <a:rPr lang="en-US" dirty="0"/>
               <a:t>FD={ A-&gt;BC, B-&gt;D, CD-&gt;E, E-&gt;A}</a:t>
             </a:r>
           </a:p>
@@ -7347,7 +7058,7 @@
               <a:buNone/>
             </a:pPr>
             <a:r>
-              <a:rPr lang="en-US" dirty="0" smtClean="0"/>
+              <a:rPr lang="en-US" dirty="0"/>
               <a:t>CD+=	CD (step 1)</a:t>
             </a:r>
           </a:p>
@@ -7356,7 +7067,7 @@
               <a:buNone/>
             </a:pPr>
             <a:r>
-              <a:rPr lang="en-US" dirty="0" smtClean="0"/>
+              <a:rPr lang="en-US" dirty="0"/>
               <a:t>		CDE (step 2)</a:t>
             </a:r>
           </a:p>
@@ -7365,7 +7076,7 @@
               <a:buNone/>
             </a:pPr>
             <a:r>
-              <a:rPr lang="en-US" dirty="0" smtClean="0"/>
+              <a:rPr lang="en-US" dirty="0"/>
               <a:t>		CDEA	 (step 3)</a:t>
             </a:r>
           </a:p>
@@ -7374,7 +7085,7 @@
               <a:buNone/>
             </a:pPr>
             <a:r>
-              <a:rPr lang="en-US" dirty="0" smtClean="0"/>
+              <a:rPr lang="en-US" dirty="0"/>
               <a:t>		CDEAB (step 3)</a:t>
             </a:r>
           </a:p>
@@ -7382,7 +7093,7 @@
             <a:pPr>
               <a:buNone/>
             </a:pPr>
-            <a:endParaRPr lang="en-US" dirty="0" smtClean="0"/>
+            <a:endParaRPr lang="en-US" dirty="0"/>
           </a:p>
           <a:p>
             <a:pPr>
@@ -7397,13 +7108,6 @@
   <p:clrMapOvr>
     <a:masterClrMapping/>
   </p:clrMapOvr>
-  <p:timing>
-    <p:tnLst>
-      <p:par>
-        <p:cTn id="1" dur="indefinite" restart="never" nodeType="tmRoot"/>
-      </p:par>
-    </p:tnLst>
-  </p:timing>
 </p:sld>
 </file>
 
@@ -7440,10 +7144,9 @@
           <a:lstStyle/>
           <a:p>
             <a:r>
-              <a:rPr lang="en-US" dirty="0" smtClean="0"/>
+              <a:rPr lang="en-US" dirty="0"/>
               <a:t>Closure</a:t>
             </a:r>
-            <a:endParaRPr lang="en-US" dirty="0"/>
           </a:p>
         </p:txBody>
       </p:sp>
@@ -7468,7 +7171,7 @@
               <a:buNone/>
             </a:pPr>
             <a:r>
-              <a:rPr lang="en-US" dirty="0" smtClean="0">
+              <a:rPr lang="en-US" dirty="0">
                 <a:latin typeface="Times New Roman" pitchFamily="18" charset="0"/>
                 <a:cs typeface="Times New Roman" pitchFamily="18" charset="0"/>
               </a:rPr>
@@ -7480,7 +7183,7 @@
               <a:buNone/>
             </a:pPr>
             <a:r>
-              <a:rPr lang="en-US" dirty="0" smtClean="0">
+              <a:rPr lang="en-US" dirty="0">
                 <a:latin typeface="Times New Roman" pitchFamily="18" charset="0"/>
                 <a:cs typeface="Times New Roman" pitchFamily="18" charset="0"/>
               </a:rPr>
@@ -7492,7 +7195,7 @@
               <a:buNone/>
             </a:pPr>
             <a:r>
-              <a:rPr lang="en-US" dirty="0" smtClean="0">
+              <a:rPr lang="en-US" dirty="0">
                 <a:latin typeface="Times New Roman" pitchFamily="18" charset="0"/>
                 <a:cs typeface="Times New Roman" pitchFamily="18" charset="0"/>
               </a:rPr>
@@ -7504,7 +7207,7 @@
               <a:buNone/>
             </a:pPr>
             <a:r>
-              <a:rPr lang="en-US" dirty="0" smtClean="0">
+              <a:rPr lang="en-US" dirty="0">
                 <a:latin typeface="Times New Roman" pitchFamily="18" charset="0"/>
                 <a:cs typeface="Times New Roman" pitchFamily="18" charset="0"/>
               </a:rPr>
@@ -7516,14 +7219,14 @@
               <a:buNone/>
             </a:pPr>
             <a:r>
-              <a:rPr lang="en-US" b="1" dirty="0" smtClean="0">
+              <a:rPr lang="en-US" b="1" dirty="0">
                 <a:latin typeface="Times New Roman" pitchFamily="18" charset="0"/>
                 <a:cs typeface="Times New Roman" pitchFamily="18" charset="0"/>
               </a:rPr>
               <a:t>Solution: </a:t>
             </a:r>
             <a:r>
-              <a:rPr lang="en-US" dirty="0" smtClean="0">
+              <a:rPr lang="en-US" dirty="0">
                 <a:latin typeface="Times New Roman" pitchFamily="18" charset="0"/>
                 <a:cs typeface="Times New Roman" pitchFamily="18" charset="0"/>
               </a:rPr>
@@ -7535,7 +7238,7 @@
               <a:buNone/>
             </a:pPr>
             <a:r>
-              <a:rPr lang="en-US" dirty="0" smtClean="0">
+              <a:rPr lang="en-US" dirty="0">
                 <a:latin typeface="Times New Roman" pitchFamily="18" charset="0"/>
                 <a:cs typeface="Times New Roman" pitchFamily="18" charset="0"/>
               </a:rPr>
@@ -7547,21 +7250,21 @@
               <a:buNone/>
             </a:pPr>
             <a:r>
-              <a:rPr lang="en-US" dirty="0" smtClean="0">
+              <a:rPr lang="en-US" dirty="0">
                 <a:latin typeface="Times New Roman" pitchFamily="18" charset="0"/>
                 <a:cs typeface="Times New Roman" pitchFamily="18" charset="0"/>
               </a:rPr>
               <a:t>                          =BDA        then B</a:t>
             </a:r>
             <a:r>
-              <a:rPr lang="en-US" baseline="30000" dirty="0" smtClean="0">
+              <a:rPr lang="en-US" baseline="30000" dirty="0">
                 <a:latin typeface="Times New Roman" pitchFamily="18" charset="0"/>
                 <a:cs typeface="Times New Roman" pitchFamily="18" charset="0"/>
               </a:rPr>
               <a:t> +</a:t>
             </a:r>
             <a:r>
-              <a:rPr lang="en-US" dirty="0" smtClean="0">
+              <a:rPr lang="en-US" dirty="0">
                 <a:latin typeface="Times New Roman" pitchFamily="18" charset="0"/>
                 <a:cs typeface="Times New Roman" pitchFamily="18" charset="0"/>
               </a:rPr>
@@ -7576,13 +7279,6 @@
   <p:clrMapOvr>
     <a:masterClrMapping/>
   </p:clrMapOvr>
-  <p:timing>
-    <p:tnLst>
-      <p:par>
-        <p:cTn id="1" dur="indefinite" restart="never" nodeType="tmRoot"/>
-      </p:par>
-    </p:tnLst>
-  </p:timing>
 </p:sld>
 </file>
 
@@ -7619,10 +7315,9 @@
           <a:lstStyle/>
           <a:p>
             <a:r>
-              <a:rPr lang="en-US" dirty="0" smtClean="0"/>
+              <a:rPr lang="en-US" dirty="0"/>
               <a:t>Closure</a:t>
             </a:r>
-            <a:endParaRPr lang="en-US" dirty="0"/>
           </a:p>
         </p:txBody>
       </p:sp>
@@ -7645,7 +7340,7 @@
               <a:buNone/>
             </a:pPr>
             <a:r>
-              <a:rPr lang="en-US" dirty="0" smtClean="0">
+              <a:rPr lang="en-US" dirty="0">
                 <a:latin typeface="Times New Roman" pitchFamily="18" charset="0"/>
                 <a:cs typeface="Times New Roman" pitchFamily="18" charset="0"/>
               </a:rPr>
@@ -7657,7 +7352,7 @@
               <a:buNone/>
             </a:pPr>
             <a:r>
-              <a:rPr lang="en-US" dirty="0" smtClean="0">
+              <a:rPr lang="en-US" dirty="0">
                 <a:latin typeface="Times New Roman" pitchFamily="18" charset="0"/>
                 <a:cs typeface="Times New Roman" pitchFamily="18" charset="0"/>
               </a:rPr>
@@ -7669,7 +7364,7 @@
               <a:buNone/>
             </a:pPr>
             <a:r>
-              <a:rPr lang="en-US" dirty="0" smtClean="0">
+              <a:rPr lang="en-US" dirty="0">
                 <a:latin typeface="Times New Roman" pitchFamily="18" charset="0"/>
                 <a:cs typeface="Times New Roman" pitchFamily="18" charset="0"/>
               </a:rPr>
@@ -7681,7 +7376,7 @@
               <a:buNone/>
             </a:pPr>
             <a:r>
-              <a:rPr lang="en-US" dirty="0" smtClean="0">
+              <a:rPr lang="en-US" dirty="0">
                 <a:latin typeface="Times New Roman" pitchFamily="18" charset="0"/>
                 <a:cs typeface="Times New Roman" pitchFamily="18" charset="0"/>
               </a:rPr>
@@ -7693,7 +7388,7 @@
               <a:buNone/>
             </a:pPr>
             <a:r>
-              <a:rPr lang="en-US" dirty="0" smtClean="0">
+              <a:rPr lang="en-US" dirty="0">
                 <a:latin typeface="Times New Roman" pitchFamily="18" charset="0"/>
                 <a:cs typeface="Times New Roman" pitchFamily="18" charset="0"/>
               </a:rPr>
@@ -7732,13 +7427,6 @@
   <p:clrMapOvr>
     <a:masterClrMapping/>
   </p:clrMapOvr>
-  <p:timing>
-    <p:tnLst>
-      <p:par>
-        <p:cTn id="1" dur="indefinite" restart="never" nodeType="tmRoot"/>
-      </p:par>
-    </p:tnLst>
-  </p:timing>
 </p:sld>
 </file>
 
@@ -7775,10 +7463,9 @@
           <a:lstStyle/>
           <a:p>
             <a:r>
-              <a:rPr lang="en-IN" dirty="0" smtClean="0"/>
+              <a:rPr lang="en-IN" dirty="0"/>
               <a:t>Problem</a:t>
             </a:r>
-            <a:endParaRPr lang="en-IN" dirty="0"/>
           </a:p>
         </p:txBody>
       </p:sp>
@@ -7801,25 +7488,15 @@
               <a:rPr lang="en-IN" dirty="0"/>
               <a:t> A relation R(A,B,C,D,E,H) has the following functional dependencies      </a:t>
             </a:r>
-            <a:endParaRPr lang="en-IN" dirty="0" smtClean="0"/>
           </a:p>
           <a:p>
             <a:pPr marL="0" indent="0">
               <a:buNone/>
             </a:pPr>
             <a:r>
-              <a:rPr lang="en-IN" dirty="0" smtClean="0"/>
-              <a:t>F</a:t>
-            </a:r>
-            <a:r>
               <a:rPr lang="en-IN" dirty="0"/>
-              <a:t>= {{A→BC},{CD→E},{E→C}, {D→AEH}, {ABH→BD}, {DH→BC}}. </a:t>
-            </a:r>
-            <a:r>
-              <a:rPr lang="en-IN" dirty="0" smtClean="0"/>
-              <a:t>Find the keys. </a:t>
-            </a:r>
-            <a:endParaRPr lang="en-IN" dirty="0"/>
+              <a:t>F= {{A→BC},{CD→E},{E→C}, {D→AEH}, {ABH→BD}, {DH→BC}}. Find the keys. </a:t>
+            </a:r>
           </a:p>
         </p:txBody>
       </p:sp>
